--- a/Minor project ppt.pptx
+++ b/Minor project ppt.pptx
@@ -25,22 +25,22 @@
   <p:notesSz cx="6858000" cy="9144000"/>
   <p:embeddedFontLst>
     <p:embeddedFont>
-      <p:font typeface="Libre Bodoni" panose="020B0604020202020204" charset="0"/>
+      <p:font typeface="Asap" panose="020B0604020202020204" charset="0"/>
       <p:regular r:id="rId15"/>
       <p:bold r:id="rId16"/>
       <p:italic r:id="rId17"/>
       <p:boldItalic r:id="rId18"/>
     </p:embeddedFont>
     <p:embeddedFont>
-      <p:font typeface="Asap" panose="020B0604020202020204" charset="0"/>
+      <p:font typeface="Wedges" panose="020B0604020202020204" charset="0"/>
       <p:regular r:id="rId19"/>
-      <p:bold r:id="rId20"/>
-      <p:italic r:id="rId21"/>
-      <p:boldItalic r:id="rId22"/>
     </p:embeddedFont>
     <p:embeddedFont>
-      <p:font typeface="Wedges" panose="020B0604020202020204" charset="0"/>
-      <p:regular r:id="rId23"/>
+      <p:font typeface="Libre Bodoni" panose="020B0604020202020204" charset="0"/>
+      <p:regular r:id="rId20"/>
+      <p:bold r:id="rId21"/>
+      <p:italic r:id="rId22"/>
+      <p:boldItalic r:id="rId23"/>
     </p:embeddedFont>
   </p:embeddedFontLst>
   <p:defaultTextStyle>
@@ -274,7 +274,7 @@
   </p:defaultTextStyle>
   <p:extLst>
     <p:ext uri="{EFAFB233-063F-42B5-8137-9DF3F51BA10A}">
-      <p15:sldGuideLst xmlns="" xmlns:p15="http://schemas.microsoft.com/office/powerpoint/2012/main"/>
+      <p15:sldGuideLst xmlns:p15="http://schemas.microsoft.com/office/powerpoint/2012/main" xmlns=""/>
     </p:ext>
   </p:extLst>
 </p:presentation>
@@ -838,7 +838,7 @@
         <p:cNvPr id="1" name="Shape 316">
           <a:extLst>
             <a:ext uri="{FF2B5EF4-FFF2-40B4-BE49-F238E27FC236}">
-              <a16:creationId xmlns="" xmlns:a16="http://schemas.microsoft.com/office/drawing/2014/main" id="{D662610B-570C-E024-97BC-A6647569439C}"/>
+              <a16:creationId xmlns:a16="http://schemas.microsoft.com/office/drawing/2014/main" xmlns="" id="{D662610B-570C-E024-97BC-A6647569439C}"/>
             </a:ext>
           </a:extLst>
         </p:cNvPr>
@@ -858,7 +858,7 @@
           <p:cNvPr id="317" name="Google Shape;317;g104f8d9e829_0_0:notes">
             <a:extLst>
               <a:ext uri="{FF2B5EF4-FFF2-40B4-BE49-F238E27FC236}">
-                <a16:creationId xmlns="" xmlns:a16="http://schemas.microsoft.com/office/drawing/2014/main" id="{C5176C28-ABA5-66D4-1BDD-834E42498A07}"/>
+                <a16:creationId xmlns:a16="http://schemas.microsoft.com/office/drawing/2014/main" xmlns="" id="{C5176C28-ABA5-66D4-1BDD-834E42498A07}"/>
               </a:ext>
             </a:extLst>
           </p:cNvPr>
@@ -905,7 +905,7 @@
           <p:cNvPr id="318" name="Google Shape;318;g104f8d9e829_0_0:notes">
             <a:extLst>
               <a:ext uri="{FF2B5EF4-FFF2-40B4-BE49-F238E27FC236}">
-                <a16:creationId xmlns="" xmlns:a16="http://schemas.microsoft.com/office/drawing/2014/main" id="{18BB537E-ED26-5CAF-AD04-909B7D1F12EE}"/>
+                <a16:creationId xmlns:a16="http://schemas.microsoft.com/office/drawing/2014/main" xmlns="" id="{18BB537E-ED26-5CAF-AD04-909B7D1F12EE}"/>
               </a:ext>
             </a:extLst>
           </p:cNvPr>
@@ -1381,7 +1381,7 @@
         <p:cNvPr id="1" name="Shape 358">
           <a:extLst>
             <a:ext uri="{FF2B5EF4-FFF2-40B4-BE49-F238E27FC236}">
-              <a16:creationId xmlns="" xmlns:a16="http://schemas.microsoft.com/office/drawing/2014/main" id="{60C7761E-011F-6523-7600-72DB3D6D257D}"/>
+              <a16:creationId xmlns:a16="http://schemas.microsoft.com/office/drawing/2014/main" xmlns="" id="{60C7761E-011F-6523-7600-72DB3D6D257D}"/>
             </a:ext>
           </a:extLst>
         </p:cNvPr>
@@ -1401,7 +1401,7 @@
           <p:cNvPr id="359" name="Google Shape;359;g1868572b3ee_0_201:notes">
             <a:extLst>
               <a:ext uri="{FF2B5EF4-FFF2-40B4-BE49-F238E27FC236}">
-                <a16:creationId xmlns="" xmlns:a16="http://schemas.microsoft.com/office/drawing/2014/main" id="{4F7B0AB4-3083-4C34-51FF-6825404F05FC}"/>
+                <a16:creationId xmlns:a16="http://schemas.microsoft.com/office/drawing/2014/main" xmlns="" id="{4F7B0AB4-3083-4C34-51FF-6825404F05FC}"/>
               </a:ext>
             </a:extLst>
           </p:cNvPr>
@@ -1448,7 +1448,7 @@
           <p:cNvPr id="360" name="Google Shape;360;g1868572b3ee_0_201:notes">
             <a:extLst>
               <a:ext uri="{FF2B5EF4-FFF2-40B4-BE49-F238E27FC236}">
-                <a16:creationId xmlns="" xmlns:a16="http://schemas.microsoft.com/office/drawing/2014/main" id="{23EA152A-AF02-F9CE-FC0A-99F7E3291C3D}"/>
+                <a16:creationId xmlns:a16="http://schemas.microsoft.com/office/drawing/2014/main" xmlns="" id="{23EA152A-AF02-F9CE-FC0A-99F7E3291C3D}"/>
               </a:ext>
             </a:extLst>
           </p:cNvPr>
@@ -1508,7 +1508,7 @@
         <p:cNvPr id="1" name="Shape 358">
           <a:extLst>
             <a:ext uri="{FF2B5EF4-FFF2-40B4-BE49-F238E27FC236}">
-              <a16:creationId xmlns="" xmlns:a16="http://schemas.microsoft.com/office/drawing/2014/main" id="{D996F3E2-142E-7BB4-4243-396ED6CAC70F}"/>
+              <a16:creationId xmlns:a16="http://schemas.microsoft.com/office/drawing/2014/main" xmlns="" id="{D996F3E2-142E-7BB4-4243-396ED6CAC70F}"/>
             </a:ext>
           </a:extLst>
         </p:cNvPr>
@@ -1528,7 +1528,7 @@
           <p:cNvPr id="359" name="Google Shape;359;g1868572b3ee_0_201:notes">
             <a:extLst>
               <a:ext uri="{FF2B5EF4-FFF2-40B4-BE49-F238E27FC236}">
-                <a16:creationId xmlns="" xmlns:a16="http://schemas.microsoft.com/office/drawing/2014/main" id="{3CF67E9C-F680-C556-93CE-A7499755DDA1}"/>
+                <a16:creationId xmlns:a16="http://schemas.microsoft.com/office/drawing/2014/main" xmlns="" id="{3CF67E9C-F680-C556-93CE-A7499755DDA1}"/>
               </a:ext>
             </a:extLst>
           </p:cNvPr>
@@ -1575,7 +1575,7 @@
           <p:cNvPr id="360" name="Google Shape;360;g1868572b3ee_0_201:notes">
             <a:extLst>
               <a:ext uri="{FF2B5EF4-FFF2-40B4-BE49-F238E27FC236}">
-                <a16:creationId xmlns="" xmlns:a16="http://schemas.microsoft.com/office/drawing/2014/main" id="{3FD17244-AAD2-2AAB-3AA2-2F97D735EF1F}"/>
+                <a16:creationId xmlns:a16="http://schemas.microsoft.com/office/drawing/2014/main" xmlns="" id="{3FD17244-AAD2-2AAB-3AA2-2F97D735EF1F}"/>
               </a:ext>
             </a:extLst>
           </p:cNvPr>
@@ -1635,7 +1635,7 @@
         <p:cNvPr id="1" name="Shape 358">
           <a:extLst>
             <a:ext uri="{FF2B5EF4-FFF2-40B4-BE49-F238E27FC236}">
-              <a16:creationId xmlns="" xmlns:a16="http://schemas.microsoft.com/office/drawing/2014/main" id="{80BFFDD2-44D9-A34B-C066-DAEEF23A4233}"/>
+              <a16:creationId xmlns:a16="http://schemas.microsoft.com/office/drawing/2014/main" xmlns="" id="{80BFFDD2-44D9-A34B-C066-DAEEF23A4233}"/>
             </a:ext>
           </a:extLst>
         </p:cNvPr>
@@ -1655,7 +1655,7 @@
           <p:cNvPr id="359" name="Google Shape;359;g1868572b3ee_0_201:notes">
             <a:extLst>
               <a:ext uri="{FF2B5EF4-FFF2-40B4-BE49-F238E27FC236}">
-                <a16:creationId xmlns="" xmlns:a16="http://schemas.microsoft.com/office/drawing/2014/main" id="{4CC7ED8F-2560-EC51-D256-91B3A6D6B885}"/>
+                <a16:creationId xmlns:a16="http://schemas.microsoft.com/office/drawing/2014/main" xmlns="" id="{4CC7ED8F-2560-EC51-D256-91B3A6D6B885}"/>
               </a:ext>
             </a:extLst>
           </p:cNvPr>
@@ -1702,7 +1702,7 @@
           <p:cNvPr id="360" name="Google Shape;360;g1868572b3ee_0_201:notes">
             <a:extLst>
               <a:ext uri="{FF2B5EF4-FFF2-40B4-BE49-F238E27FC236}">
-                <a16:creationId xmlns="" xmlns:a16="http://schemas.microsoft.com/office/drawing/2014/main" id="{C036F066-CD81-450A-006F-56327930568F}"/>
+                <a16:creationId xmlns:a16="http://schemas.microsoft.com/office/drawing/2014/main" xmlns="" id="{C036F066-CD81-450A-006F-56327930568F}"/>
               </a:ext>
             </a:extLst>
           </p:cNvPr>
@@ -1762,7 +1762,7 @@
         <p:cNvPr id="1" name="Shape 358">
           <a:extLst>
             <a:ext uri="{FF2B5EF4-FFF2-40B4-BE49-F238E27FC236}">
-              <a16:creationId xmlns="" xmlns:a16="http://schemas.microsoft.com/office/drawing/2014/main" id="{7FCFBC8F-D18A-026F-EF1B-CE6C3BB5B19E}"/>
+              <a16:creationId xmlns:a16="http://schemas.microsoft.com/office/drawing/2014/main" xmlns="" id="{7FCFBC8F-D18A-026F-EF1B-CE6C3BB5B19E}"/>
             </a:ext>
           </a:extLst>
         </p:cNvPr>
@@ -1782,7 +1782,7 @@
           <p:cNvPr id="359" name="Google Shape;359;g1868572b3ee_0_201:notes">
             <a:extLst>
               <a:ext uri="{FF2B5EF4-FFF2-40B4-BE49-F238E27FC236}">
-                <a16:creationId xmlns="" xmlns:a16="http://schemas.microsoft.com/office/drawing/2014/main" id="{248485F0-D018-FD7C-1D26-93E4D0B3FC49}"/>
+                <a16:creationId xmlns:a16="http://schemas.microsoft.com/office/drawing/2014/main" xmlns="" id="{248485F0-D018-FD7C-1D26-93E4D0B3FC49}"/>
               </a:ext>
             </a:extLst>
           </p:cNvPr>
@@ -1829,7 +1829,7 @@
           <p:cNvPr id="360" name="Google Shape;360;g1868572b3ee_0_201:notes">
             <a:extLst>
               <a:ext uri="{FF2B5EF4-FFF2-40B4-BE49-F238E27FC236}">
-                <a16:creationId xmlns="" xmlns:a16="http://schemas.microsoft.com/office/drawing/2014/main" id="{2862BC63-2D98-2AB4-AA6B-19E328354E77}"/>
+                <a16:creationId xmlns:a16="http://schemas.microsoft.com/office/drawing/2014/main" xmlns="" id="{2862BC63-2D98-2AB4-AA6B-19E328354E77}"/>
               </a:ext>
             </a:extLst>
           </p:cNvPr>
@@ -31063,7 +31063,7 @@
           <p:cNvPr id="3" name="Title 2">
             <a:extLst>
               <a:ext uri="{FF2B5EF4-FFF2-40B4-BE49-F238E27FC236}">
-                <a16:creationId xmlns="" xmlns:a16="http://schemas.microsoft.com/office/drawing/2014/main" id="{5BE2C0D6-8C4B-F94A-3A9A-7485BCE962BB}"/>
+                <a16:creationId xmlns:a16="http://schemas.microsoft.com/office/drawing/2014/main" xmlns="" id="{5BE2C0D6-8C4B-F94A-3A9A-7485BCE962BB}"/>
               </a:ext>
             </a:extLst>
           </p:cNvPr>
@@ -31104,7 +31104,7 @@
           <p:cNvPr id="5" name="Subtitle 4">
             <a:extLst>
               <a:ext uri="{FF2B5EF4-FFF2-40B4-BE49-F238E27FC236}">
-                <a16:creationId xmlns="" xmlns:a16="http://schemas.microsoft.com/office/drawing/2014/main" id="{8ED87E8B-68C3-809E-9452-4F5017B57ACF}"/>
+                <a16:creationId xmlns:a16="http://schemas.microsoft.com/office/drawing/2014/main" xmlns="" id="{8ED87E8B-68C3-809E-9452-4F5017B57ACF}"/>
               </a:ext>
             </a:extLst>
           </p:cNvPr>
@@ -31150,7 +31150,7 @@
         <p:cNvPr id="1" name="Shape 361">
           <a:extLst>
             <a:ext uri="{FF2B5EF4-FFF2-40B4-BE49-F238E27FC236}">
-              <a16:creationId xmlns="" xmlns:a16="http://schemas.microsoft.com/office/drawing/2014/main" id="{02113C6A-94E1-E9C2-4E26-ACEEAC39F5D7}"/>
+              <a16:creationId xmlns:a16="http://schemas.microsoft.com/office/drawing/2014/main" xmlns="" id="{02113C6A-94E1-E9C2-4E26-ACEEAC39F5D7}"/>
             </a:ext>
           </a:extLst>
         </p:cNvPr>
@@ -31170,7 +31170,7 @@
           <p:cNvPr id="362" name="Google Shape;362;p18">
             <a:extLst>
               <a:ext uri="{FF2B5EF4-FFF2-40B4-BE49-F238E27FC236}">
-                <a16:creationId xmlns="" xmlns:a16="http://schemas.microsoft.com/office/drawing/2014/main" id="{EDFC3721-A1B3-80AD-EA6D-CE77454B58D5}"/>
+                <a16:creationId xmlns:a16="http://schemas.microsoft.com/office/drawing/2014/main" xmlns="" id="{EDFC3721-A1B3-80AD-EA6D-CE77454B58D5}"/>
               </a:ext>
             </a:extLst>
           </p:cNvPr>
@@ -31223,7 +31223,7 @@
           <p:cNvPr id="4" name="Picture 3">
             <a:extLst>
               <a:ext uri="{FF2B5EF4-FFF2-40B4-BE49-F238E27FC236}">
-                <a16:creationId xmlns="" xmlns:a16="http://schemas.microsoft.com/office/drawing/2014/main" id="{B7E585B3-F5F6-A67D-5A29-9960E0E141F3}"/>
+                <a16:creationId xmlns:a16="http://schemas.microsoft.com/office/drawing/2014/main" xmlns="" id="{B7E585B3-F5F6-A67D-5A29-9960E0E141F3}"/>
               </a:ext>
             </a:extLst>
           </p:cNvPr>
@@ -31253,7 +31253,7 @@
           <p:cNvPr id="8" name="Picture 7">
             <a:extLst>
               <a:ext uri="{FF2B5EF4-FFF2-40B4-BE49-F238E27FC236}">
-                <a16:creationId xmlns="" xmlns:a16="http://schemas.microsoft.com/office/drawing/2014/main" id="{0D37C3A7-3394-1DAC-455A-262F51A33791}"/>
+                <a16:creationId xmlns:a16="http://schemas.microsoft.com/office/drawing/2014/main" xmlns="" id="{0D37C3A7-3394-1DAC-455A-262F51A33791}"/>
               </a:ext>
             </a:extLst>
           </p:cNvPr>
@@ -31283,7 +31283,7 @@
           <p:cNvPr id="3" name="Picture 2">
             <a:extLst>
               <a:ext uri="{FF2B5EF4-FFF2-40B4-BE49-F238E27FC236}">
-                <a16:creationId xmlns="" xmlns:a16="http://schemas.microsoft.com/office/drawing/2014/main" id="{CC33A7C0-3E41-3160-DF4E-7E1078150EB4}"/>
+                <a16:creationId xmlns:a16="http://schemas.microsoft.com/office/drawing/2014/main" xmlns="" id="{CC33A7C0-3E41-3160-DF4E-7E1078150EB4}"/>
               </a:ext>
             </a:extLst>
           </p:cNvPr>
@@ -31390,7 +31390,7 @@
         <p:cNvPr id="1" name="Shape 361">
           <a:extLst>
             <a:ext uri="{FF2B5EF4-FFF2-40B4-BE49-F238E27FC236}">
-              <a16:creationId xmlns="" xmlns:a16="http://schemas.microsoft.com/office/drawing/2014/main" id="{8ADD4B41-016B-CF6C-7D85-597541D7710A}"/>
+              <a16:creationId xmlns:a16="http://schemas.microsoft.com/office/drawing/2014/main" xmlns="" id="{8ADD4B41-016B-CF6C-7D85-597541D7710A}"/>
             </a:ext>
           </a:extLst>
         </p:cNvPr>
@@ -31410,7 +31410,7 @@
           <p:cNvPr id="362" name="Google Shape;362;p18">
             <a:extLst>
               <a:ext uri="{FF2B5EF4-FFF2-40B4-BE49-F238E27FC236}">
-                <a16:creationId xmlns="" xmlns:a16="http://schemas.microsoft.com/office/drawing/2014/main" id="{F69E761A-0659-3912-BFEF-8B1535F8AE57}"/>
+                <a16:creationId xmlns:a16="http://schemas.microsoft.com/office/drawing/2014/main" xmlns="" id="{F69E761A-0659-3912-BFEF-8B1535F8AE57}"/>
               </a:ext>
             </a:extLst>
           </p:cNvPr>
@@ -31463,7 +31463,7 @@
           <p:cNvPr id="3" name="Picture 2">
             <a:extLst>
               <a:ext uri="{FF2B5EF4-FFF2-40B4-BE49-F238E27FC236}">
-                <a16:creationId xmlns="" xmlns:a16="http://schemas.microsoft.com/office/drawing/2014/main" id="{14B1F062-EB00-D87E-D385-2853D20FDB95}"/>
+                <a16:creationId xmlns:a16="http://schemas.microsoft.com/office/drawing/2014/main" xmlns="" id="{14B1F062-EB00-D87E-D385-2853D20FDB95}"/>
               </a:ext>
             </a:extLst>
           </p:cNvPr>
@@ -31493,7 +31493,7 @@
           <p:cNvPr id="7" name="Picture 6">
             <a:extLst>
               <a:ext uri="{FF2B5EF4-FFF2-40B4-BE49-F238E27FC236}">
-                <a16:creationId xmlns="" xmlns:a16="http://schemas.microsoft.com/office/drawing/2014/main" id="{83C92080-64F5-156A-A169-621F36226B52}"/>
+                <a16:creationId xmlns:a16="http://schemas.microsoft.com/office/drawing/2014/main" xmlns="" id="{83C92080-64F5-156A-A169-621F36226B52}"/>
               </a:ext>
             </a:extLst>
           </p:cNvPr>
@@ -31523,7 +31523,7 @@
           <p:cNvPr id="10" name="Picture 9">
             <a:extLst>
               <a:ext uri="{FF2B5EF4-FFF2-40B4-BE49-F238E27FC236}">
-                <a16:creationId xmlns="" xmlns:a16="http://schemas.microsoft.com/office/drawing/2014/main" id="{40CF9885-3BEA-AFA9-2622-00AAB023D896}"/>
+                <a16:creationId xmlns:a16="http://schemas.microsoft.com/office/drawing/2014/main" xmlns="" id="{40CF9885-3BEA-AFA9-2622-00AAB023D896}"/>
               </a:ext>
             </a:extLst>
           </p:cNvPr>
@@ -31576,7 +31576,7 @@
         <p:cNvPr id="1" name="Shape 319">
           <a:extLst>
             <a:ext uri="{FF2B5EF4-FFF2-40B4-BE49-F238E27FC236}">
-              <a16:creationId xmlns="" xmlns:a16="http://schemas.microsoft.com/office/drawing/2014/main" id="{06B683BD-64F8-AD8B-B9C8-B295152DA94C}"/>
+              <a16:creationId xmlns:a16="http://schemas.microsoft.com/office/drawing/2014/main" xmlns="" id="{06B683BD-64F8-AD8B-B9C8-B295152DA94C}"/>
             </a:ext>
           </a:extLst>
         </p:cNvPr>
@@ -31596,7 +31596,7 @@
           <p:cNvPr id="3" name="Title 2">
             <a:extLst>
               <a:ext uri="{FF2B5EF4-FFF2-40B4-BE49-F238E27FC236}">
-                <a16:creationId xmlns="" xmlns:a16="http://schemas.microsoft.com/office/drawing/2014/main" id="{C41EC3B8-753C-957F-E811-FB3FA463EA8A}"/>
+                <a16:creationId xmlns:a16="http://schemas.microsoft.com/office/drawing/2014/main" xmlns="" id="{C41EC3B8-753C-957F-E811-FB3FA463EA8A}"/>
               </a:ext>
             </a:extLst>
           </p:cNvPr>
@@ -31750,7 +31750,7 @@
           <p:cNvPr id="9" name="Google Shape;326;p16">
             <a:extLst>
               <a:ext uri="{FF2B5EF4-FFF2-40B4-BE49-F238E27FC236}">
-                <a16:creationId xmlns:a16="http://schemas.microsoft.com/office/drawing/2014/main" xmlns="" id="{D9EDDAF1-C612-4678-1AB6-DB4EBEB773AC}"/>
+                <a16:creationId xmlns="" xmlns:a16="http://schemas.microsoft.com/office/drawing/2014/main" id="{D9EDDAF1-C612-4678-1AB6-DB4EBEB773AC}"/>
               </a:ext>
             </a:extLst>
           </p:cNvPr>
@@ -32042,7 +32042,7 @@
           <p:cNvPr id="13" name="Subtitle 7">
             <a:extLst>
               <a:ext uri="{FF2B5EF4-FFF2-40B4-BE49-F238E27FC236}">
-                <a16:creationId xmlns:a16="http://schemas.microsoft.com/office/drawing/2014/main" xmlns="" id="{1D5E987D-D24D-01EA-FC07-BC6CD7F1D22E}"/>
+                <a16:creationId xmlns="" xmlns:a16="http://schemas.microsoft.com/office/drawing/2014/main" id="{1D5E987D-D24D-01EA-FC07-BC6CD7F1D22E}"/>
               </a:ext>
             </a:extLst>
           </p:cNvPr>
@@ -32358,7 +32358,7 @@
           <p:cNvPr id="2" name="Subtitle 7">
             <a:extLst>
               <a:ext uri="{FF2B5EF4-FFF2-40B4-BE49-F238E27FC236}">
-                <a16:creationId xmlns:a16="http://schemas.microsoft.com/office/drawing/2014/main" xmlns="" id="{4FF864E2-105C-48B3-B8F4-E607A86CD433}"/>
+                <a16:creationId xmlns="" xmlns:a16="http://schemas.microsoft.com/office/drawing/2014/main" id="{4FF864E2-105C-48B3-B8F4-E607A86CD433}"/>
               </a:ext>
             </a:extLst>
           </p:cNvPr>
@@ -32701,7 +32701,7 @@
           <p:cNvPr id="4" name="Picture 3">
             <a:extLst>
               <a:ext uri="{FF2B5EF4-FFF2-40B4-BE49-F238E27FC236}">
-                <a16:creationId xmlns:a16="http://schemas.microsoft.com/office/drawing/2014/main" xmlns="" id="{1209A981-E477-005A-4D92-E847BC2215A6}"/>
+                <a16:creationId xmlns="" xmlns:a16="http://schemas.microsoft.com/office/drawing/2014/main" id="{1209A981-E477-005A-4D92-E847BC2215A6}"/>
               </a:ext>
             </a:extLst>
           </p:cNvPr>
@@ -32731,7 +32731,7 @@
           <p:cNvPr id="7" name="Subtitle 7">
             <a:extLst>
               <a:ext uri="{FF2B5EF4-FFF2-40B4-BE49-F238E27FC236}">
-                <a16:creationId xmlns:a16="http://schemas.microsoft.com/office/drawing/2014/main" xmlns="" id="{64F2B739-EEBD-6C07-3CA3-D38CE5E7BDCF}"/>
+                <a16:creationId xmlns="" xmlns:a16="http://schemas.microsoft.com/office/drawing/2014/main" id="{64F2B739-EEBD-6C07-3CA3-D38CE5E7BDCF}"/>
               </a:ext>
             </a:extLst>
           </p:cNvPr>
@@ -33074,7 +33074,7 @@
           <p:cNvPr id="11" name="Picture 10">
             <a:extLst>
               <a:ext uri="{FF2B5EF4-FFF2-40B4-BE49-F238E27FC236}">
-                <a16:creationId xmlns:a16="http://schemas.microsoft.com/office/drawing/2014/main" xmlns="" id="{B4B348BC-8648-609D-B9BD-61CED49DE75A}"/>
+                <a16:creationId xmlns="" xmlns:a16="http://schemas.microsoft.com/office/drawing/2014/main" id="{B4B348BC-8648-609D-B9BD-61CED49DE75A}"/>
               </a:ext>
             </a:extLst>
           </p:cNvPr>
@@ -33120,1666 +33120,9 @@
   <p:timing>
     <p:tnLst>
       <p:par>
-        <p:cTn id="1" dur="indefinite" restart="never" nodeType="tmRoot">
-          <p:childTnLst>
-            <p:seq concurrent="1" nextAc="seek">
-              <p:cTn id="2" dur="indefinite" nodeType="mainSeq">
-                <p:childTnLst>
-                  <p:par>
-                    <p:cTn id="3" fill="hold">
-                      <p:stCondLst>
-                        <p:cond delay="indefinite"/>
-                        <p:cond evt="onBegin" delay="0">
-                          <p:tn val="2"/>
-                        </p:cond>
-                      </p:stCondLst>
-                      <p:childTnLst>
-                        <p:par>
-                          <p:cTn id="4" fill="hold">
-                            <p:stCondLst>
-                              <p:cond delay="0"/>
-                            </p:stCondLst>
-                            <p:childTnLst>
-                              <p:par>
-                                <p:cTn id="5" presetID="15" presetClass="entr" presetSubtype="0" fill="hold" grpId="0" nodeType="withEffect">
-                                  <p:stCondLst>
-                                    <p:cond delay="0"/>
-                                  </p:stCondLst>
-                                  <p:childTnLst>
-                                    <p:set>
-                                      <p:cBhvr>
-                                        <p:cTn id="6" dur="1" fill="hold">
-                                          <p:stCondLst>
-                                            <p:cond delay="0"/>
-                                          </p:stCondLst>
-                                        </p:cTn>
-                                        <p:tgtEl>
-                                          <p:spTgt spid="326"/>
-                                        </p:tgtEl>
-                                        <p:attrNameLst>
-                                          <p:attrName>style.visibility</p:attrName>
-                                        </p:attrNameLst>
-                                      </p:cBhvr>
-                                      <p:to>
-                                        <p:strVal val="visible"/>
-                                      </p:to>
-                                    </p:set>
-                                    <p:anim calcmode="lin" valueType="num">
-                                      <p:cBhvr>
-                                        <p:cTn id="7" dur="1000" fill="hold"/>
-                                        <p:tgtEl>
-                                          <p:spTgt spid="326"/>
-                                        </p:tgtEl>
-                                        <p:attrNameLst>
-                                          <p:attrName>ppt_w</p:attrName>
-                                        </p:attrNameLst>
-                                      </p:cBhvr>
-                                      <p:tavLst>
-                                        <p:tav tm="0">
-                                          <p:val>
-                                            <p:fltVal val="0"/>
-                                          </p:val>
-                                        </p:tav>
-                                        <p:tav tm="100000">
-                                          <p:val>
-                                            <p:strVal val="#ppt_w"/>
-                                          </p:val>
-                                        </p:tav>
-                                      </p:tavLst>
-                                    </p:anim>
-                                    <p:anim calcmode="lin" valueType="num">
-                                      <p:cBhvr>
-                                        <p:cTn id="8" dur="1000" fill="hold"/>
-                                        <p:tgtEl>
-                                          <p:spTgt spid="326"/>
-                                        </p:tgtEl>
-                                        <p:attrNameLst>
-                                          <p:attrName>ppt_h</p:attrName>
-                                        </p:attrNameLst>
-                                      </p:cBhvr>
-                                      <p:tavLst>
-                                        <p:tav tm="0">
-                                          <p:val>
-                                            <p:fltVal val="0"/>
-                                          </p:val>
-                                        </p:tav>
-                                        <p:tav tm="100000">
-                                          <p:val>
-                                            <p:strVal val="#ppt_h"/>
-                                          </p:val>
-                                        </p:tav>
-                                      </p:tavLst>
-                                    </p:anim>
-                                    <p:anim calcmode="lin" valueType="num">
-                                      <p:cBhvr>
-                                        <p:cTn id="9" dur="1000" fill="hold"/>
-                                        <p:tgtEl>
-                                          <p:spTgt spid="326"/>
-                                        </p:tgtEl>
-                                        <p:attrNameLst>
-                                          <p:attrName>ppt_x</p:attrName>
-                                        </p:attrNameLst>
-                                      </p:cBhvr>
-                                      <p:tavLst>
-                                        <p:tav tm="0" fmla="#ppt_x+(cos(-2*pi*(1-$))*-#ppt_x-sin(-2*pi*(1-$))*(1-#ppt_y))*(1-$)">
-                                          <p:val>
-                                            <p:fltVal val="0"/>
-                                          </p:val>
-                                        </p:tav>
-                                        <p:tav tm="100000">
-                                          <p:val>
-                                            <p:fltVal val="1"/>
-                                          </p:val>
-                                        </p:tav>
-                                      </p:tavLst>
-                                    </p:anim>
-                                    <p:anim calcmode="lin" valueType="num">
-                                      <p:cBhvr>
-                                        <p:cTn id="10" dur="1000" fill="hold"/>
-                                        <p:tgtEl>
-                                          <p:spTgt spid="326"/>
-                                        </p:tgtEl>
-                                        <p:attrNameLst>
-                                          <p:attrName>ppt_y</p:attrName>
-                                        </p:attrNameLst>
-                                      </p:cBhvr>
-                                      <p:tavLst>
-                                        <p:tav tm="0" fmla="#ppt_y+(sin(-2*pi*(1-$))*-#ppt_x+cos(-2*pi*(1-$))*(1-#ppt_y))*(1-$)">
-                                          <p:val>
-                                            <p:fltVal val="0"/>
-                                          </p:val>
-                                        </p:tav>
-                                        <p:tav tm="100000">
-                                          <p:val>
-                                            <p:fltVal val="1"/>
-                                          </p:val>
-                                        </p:tav>
-                                      </p:tavLst>
-                                    </p:anim>
-                                  </p:childTnLst>
-                                </p:cTn>
-                              </p:par>
-                            </p:childTnLst>
-                          </p:cTn>
-                        </p:par>
-                        <p:par>
-                          <p:cTn id="11" fill="hold">
-                            <p:stCondLst>
-                              <p:cond delay="1000"/>
-                            </p:stCondLst>
-                            <p:childTnLst>
-                              <p:par>
-                                <p:cTn id="12" presetID="12" presetClass="entr" presetSubtype="4" fill="hold" nodeType="afterEffect">
-                                  <p:stCondLst>
-                                    <p:cond delay="0"/>
-                                  </p:stCondLst>
-                                  <p:childTnLst>
-                                    <p:set>
-                                      <p:cBhvr>
-                                        <p:cTn id="13" dur="1" fill="hold">
-                                          <p:stCondLst>
-                                            <p:cond delay="0"/>
-                                          </p:stCondLst>
-                                        </p:cTn>
-                                        <p:tgtEl>
-                                          <p:spTgt spid="4"/>
-                                        </p:tgtEl>
-                                        <p:attrNameLst>
-                                          <p:attrName>style.visibility</p:attrName>
-                                        </p:attrNameLst>
-                                      </p:cBhvr>
-                                      <p:to>
-                                        <p:strVal val="visible"/>
-                                      </p:to>
-                                    </p:set>
-                                    <p:anim calcmode="lin" valueType="num">
-                                      <p:cBhvr additive="base">
-                                        <p:cTn id="14" dur="500"/>
-                                        <p:tgtEl>
-                                          <p:spTgt spid="4"/>
-                                        </p:tgtEl>
-                                        <p:attrNameLst>
-                                          <p:attrName>ppt_y</p:attrName>
-                                        </p:attrNameLst>
-                                      </p:cBhvr>
-                                      <p:tavLst>
-                                        <p:tav tm="0">
-                                          <p:val>
-                                            <p:strVal val="#ppt_y+#ppt_h*1.125000"/>
-                                          </p:val>
-                                        </p:tav>
-                                        <p:tav tm="100000">
-                                          <p:val>
-                                            <p:strVal val="#ppt_y"/>
-                                          </p:val>
-                                        </p:tav>
-                                      </p:tavLst>
-                                    </p:anim>
-                                    <p:animEffect transition="in" filter="wipe(up)">
-                                      <p:cBhvr>
-                                        <p:cTn id="15" dur="500"/>
-                                        <p:tgtEl>
-                                          <p:spTgt spid="4"/>
-                                        </p:tgtEl>
-                                      </p:cBhvr>
-                                    </p:animEffect>
-                                  </p:childTnLst>
-                                </p:cTn>
-                              </p:par>
-                              <p:par>
-                                <p:cTn id="16" presetID="47" presetClass="entr" presetSubtype="0" fill="hold" grpId="0" nodeType="withEffect">
-                                  <p:stCondLst>
-                                    <p:cond delay="0"/>
-                                  </p:stCondLst>
-                                  <p:childTnLst>
-                                    <p:set>
-                                      <p:cBhvr>
-                                        <p:cTn id="17" dur="1" fill="hold">
-                                          <p:stCondLst>
-                                            <p:cond delay="0"/>
-                                          </p:stCondLst>
-                                        </p:cTn>
-                                        <p:tgtEl>
-                                          <p:spTgt spid="2"/>
-                                        </p:tgtEl>
-                                        <p:attrNameLst>
-                                          <p:attrName>style.visibility</p:attrName>
-                                        </p:attrNameLst>
-                                      </p:cBhvr>
-                                      <p:to>
-                                        <p:strVal val="visible"/>
-                                      </p:to>
-                                    </p:set>
-                                    <p:animEffect transition="in" filter="fade">
-                                      <p:cBhvr>
-                                        <p:cTn id="18" dur="1000"/>
-                                        <p:tgtEl>
-                                          <p:spTgt spid="2"/>
-                                        </p:tgtEl>
-                                      </p:cBhvr>
-                                    </p:animEffect>
-                                    <p:anim calcmode="lin" valueType="num">
-                                      <p:cBhvr>
-                                        <p:cTn id="19" dur="1000" fill="hold"/>
-                                        <p:tgtEl>
-                                          <p:spTgt spid="2"/>
-                                        </p:tgtEl>
-                                        <p:attrNameLst>
-                                          <p:attrName>ppt_x</p:attrName>
-                                        </p:attrNameLst>
-                                      </p:cBhvr>
-                                      <p:tavLst>
-                                        <p:tav tm="0">
-                                          <p:val>
-                                            <p:strVal val="#ppt_x"/>
-                                          </p:val>
-                                        </p:tav>
-                                        <p:tav tm="100000">
-                                          <p:val>
-                                            <p:strVal val="#ppt_x"/>
-                                          </p:val>
-                                        </p:tav>
-                                      </p:tavLst>
-                                    </p:anim>
-                                    <p:anim calcmode="lin" valueType="num">
-                                      <p:cBhvr>
-                                        <p:cTn id="20" dur="1000" fill="hold"/>
-                                        <p:tgtEl>
-                                          <p:spTgt spid="2"/>
-                                        </p:tgtEl>
-                                        <p:attrNameLst>
-                                          <p:attrName>ppt_y</p:attrName>
-                                        </p:attrNameLst>
-                                      </p:cBhvr>
-                                      <p:tavLst>
-                                        <p:tav tm="0">
-                                          <p:val>
-                                            <p:strVal val="#ppt_y-.1"/>
-                                          </p:val>
-                                        </p:tav>
-                                        <p:tav tm="100000">
-                                          <p:val>
-                                            <p:strVal val="#ppt_y"/>
-                                          </p:val>
-                                        </p:tav>
-                                      </p:tavLst>
-                                    </p:anim>
-                                  </p:childTnLst>
-                                </p:cTn>
-                              </p:par>
-                              <p:par>
-                                <p:cTn id="21" presetID="12" presetClass="entr" presetSubtype="4" fill="hold" nodeType="withEffect">
-                                  <p:stCondLst>
-                                    <p:cond delay="0"/>
-                                  </p:stCondLst>
-                                  <p:childTnLst>
-                                    <p:set>
-                                      <p:cBhvr>
-                                        <p:cTn id="22" dur="1" fill="hold">
-                                          <p:stCondLst>
-                                            <p:cond delay="0"/>
-                                          </p:stCondLst>
-                                        </p:cTn>
-                                        <p:tgtEl>
-                                          <p:spTgt spid="11"/>
-                                        </p:tgtEl>
-                                        <p:attrNameLst>
-                                          <p:attrName>style.visibility</p:attrName>
-                                        </p:attrNameLst>
-                                      </p:cBhvr>
-                                      <p:to>
-                                        <p:strVal val="visible"/>
-                                      </p:to>
-                                    </p:set>
-                                    <p:anim calcmode="lin" valueType="num">
-                                      <p:cBhvr additive="base">
-                                        <p:cTn id="23" dur="500"/>
-                                        <p:tgtEl>
-                                          <p:spTgt spid="11"/>
-                                        </p:tgtEl>
-                                        <p:attrNameLst>
-                                          <p:attrName>ppt_y</p:attrName>
-                                        </p:attrNameLst>
-                                      </p:cBhvr>
-                                      <p:tavLst>
-                                        <p:tav tm="0">
-                                          <p:val>
-                                            <p:strVal val="#ppt_y+#ppt_h*1.125000"/>
-                                          </p:val>
-                                        </p:tav>
-                                        <p:tav tm="100000">
-                                          <p:val>
-                                            <p:strVal val="#ppt_y"/>
-                                          </p:val>
-                                        </p:tav>
-                                      </p:tavLst>
-                                    </p:anim>
-                                    <p:animEffect transition="in" filter="wipe(up)">
-                                      <p:cBhvr>
-                                        <p:cTn id="24" dur="500"/>
-                                        <p:tgtEl>
-                                          <p:spTgt spid="11"/>
-                                        </p:tgtEl>
-                                      </p:cBhvr>
-                                    </p:animEffect>
-                                  </p:childTnLst>
-                                </p:cTn>
-                              </p:par>
-                              <p:par>
-                                <p:cTn id="25" presetID="47" presetClass="entr" presetSubtype="0" fill="hold" grpId="0" nodeType="withEffect">
-                                  <p:stCondLst>
-                                    <p:cond delay="0"/>
-                                  </p:stCondLst>
-                                  <p:childTnLst>
-                                    <p:set>
-                                      <p:cBhvr>
-                                        <p:cTn id="26" dur="1" fill="hold">
-                                          <p:stCondLst>
-                                            <p:cond delay="0"/>
-                                          </p:stCondLst>
-                                        </p:cTn>
-                                        <p:tgtEl>
-                                          <p:spTgt spid="7"/>
-                                        </p:tgtEl>
-                                        <p:attrNameLst>
-                                          <p:attrName>style.visibility</p:attrName>
-                                        </p:attrNameLst>
-                                      </p:cBhvr>
-                                      <p:to>
-                                        <p:strVal val="visible"/>
-                                      </p:to>
-                                    </p:set>
-                                    <p:animEffect transition="in" filter="fade">
-                                      <p:cBhvr>
-                                        <p:cTn id="27" dur="500"/>
-                                        <p:tgtEl>
-                                          <p:spTgt spid="7"/>
-                                        </p:tgtEl>
-                                      </p:cBhvr>
-                                    </p:animEffect>
-                                    <p:anim calcmode="lin" valueType="num">
-                                      <p:cBhvr>
-                                        <p:cTn id="28" dur="500" fill="hold"/>
-                                        <p:tgtEl>
-                                          <p:spTgt spid="7"/>
-                                        </p:tgtEl>
-                                        <p:attrNameLst>
-                                          <p:attrName>ppt_x</p:attrName>
-                                        </p:attrNameLst>
-                                      </p:cBhvr>
-                                      <p:tavLst>
-                                        <p:tav tm="0">
-                                          <p:val>
-                                            <p:strVal val="#ppt_x"/>
-                                          </p:val>
-                                        </p:tav>
-                                        <p:tav tm="100000">
-                                          <p:val>
-                                            <p:strVal val="#ppt_x"/>
-                                          </p:val>
-                                        </p:tav>
-                                      </p:tavLst>
-                                    </p:anim>
-                                    <p:anim calcmode="lin" valueType="num">
-                                      <p:cBhvr>
-                                        <p:cTn id="29" dur="500" fill="hold"/>
-                                        <p:tgtEl>
-                                          <p:spTgt spid="7"/>
-                                        </p:tgtEl>
-                                        <p:attrNameLst>
-                                          <p:attrName>ppt_y</p:attrName>
-                                        </p:attrNameLst>
-                                      </p:cBhvr>
-                                      <p:tavLst>
-                                        <p:tav tm="0">
-                                          <p:val>
-                                            <p:strVal val="#ppt_y-.1"/>
-                                          </p:val>
-                                        </p:tav>
-                                        <p:tav tm="100000">
-                                          <p:val>
-                                            <p:strVal val="#ppt_y"/>
-                                          </p:val>
-                                        </p:tav>
-                                      </p:tavLst>
-                                    </p:anim>
-                                  </p:childTnLst>
-                                </p:cTn>
-                              </p:par>
-                              <p:par>
-                                <p:cTn id="30" presetID="15" presetClass="entr" presetSubtype="0" fill="hold" grpId="0" nodeType="withEffect">
-                                  <p:stCondLst>
-                                    <p:cond delay="0"/>
-                                  </p:stCondLst>
-                                  <p:childTnLst>
-                                    <p:set>
-                                      <p:cBhvr>
-                                        <p:cTn id="31" dur="1" fill="hold">
-                                          <p:stCondLst>
-                                            <p:cond delay="0"/>
-                                          </p:stCondLst>
-                                        </p:cTn>
-                                        <p:tgtEl>
-                                          <p:spTgt spid="9"/>
-                                        </p:tgtEl>
-                                        <p:attrNameLst>
-                                          <p:attrName>style.visibility</p:attrName>
-                                        </p:attrNameLst>
-                                      </p:cBhvr>
-                                      <p:to>
-                                        <p:strVal val="visible"/>
-                                      </p:to>
-                                    </p:set>
-                                    <p:anim calcmode="lin" valueType="num">
-                                      <p:cBhvr>
-                                        <p:cTn id="32" dur="1000" fill="hold"/>
-                                        <p:tgtEl>
-                                          <p:spTgt spid="9"/>
-                                        </p:tgtEl>
-                                        <p:attrNameLst>
-                                          <p:attrName>ppt_w</p:attrName>
-                                        </p:attrNameLst>
-                                      </p:cBhvr>
-                                      <p:tavLst>
-                                        <p:tav tm="0">
-                                          <p:val>
-                                            <p:fltVal val="0"/>
-                                          </p:val>
-                                        </p:tav>
-                                        <p:tav tm="100000">
-                                          <p:val>
-                                            <p:strVal val="#ppt_w"/>
-                                          </p:val>
-                                        </p:tav>
-                                      </p:tavLst>
-                                    </p:anim>
-                                    <p:anim calcmode="lin" valueType="num">
-                                      <p:cBhvr>
-                                        <p:cTn id="33" dur="1000" fill="hold"/>
-                                        <p:tgtEl>
-                                          <p:spTgt spid="9"/>
-                                        </p:tgtEl>
-                                        <p:attrNameLst>
-                                          <p:attrName>ppt_h</p:attrName>
-                                        </p:attrNameLst>
-                                      </p:cBhvr>
-                                      <p:tavLst>
-                                        <p:tav tm="0">
-                                          <p:val>
-                                            <p:fltVal val="0"/>
-                                          </p:val>
-                                        </p:tav>
-                                        <p:tav tm="100000">
-                                          <p:val>
-                                            <p:strVal val="#ppt_h"/>
-                                          </p:val>
-                                        </p:tav>
-                                      </p:tavLst>
-                                    </p:anim>
-                                    <p:anim calcmode="lin" valueType="num">
-                                      <p:cBhvr>
-                                        <p:cTn id="34" dur="1000" fill="hold"/>
-                                        <p:tgtEl>
-                                          <p:spTgt spid="9"/>
-                                        </p:tgtEl>
-                                        <p:attrNameLst>
-                                          <p:attrName>ppt_x</p:attrName>
-                                        </p:attrNameLst>
-                                      </p:cBhvr>
-                                      <p:tavLst>
-                                        <p:tav tm="0" fmla="#ppt_x+(cos(-2*pi*(1-$))*-#ppt_x-sin(-2*pi*(1-$))*(1-#ppt_y))*(1-$)">
-                                          <p:val>
-                                            <p:fltVal val="0"/>
-                                          </p:val>
-                                        </p:tav>
-                                        <p:tav tm="100000">
-                                          <p:val>
-                                            <p:fltVal val="1"/>
-                                          </p:val>
-                                        </p:tav>
-                                      </p:tavLst>
-                                    </p:anim>
-                                    <p:anim calcmode="lin" valueType="num">
-                                      <p:cBhvr>
-                                        <p:cTn id="35" dur="1000" fill="hold"/>
-                                        <p:tgtEl>
-                                          <p:spTgt spid="9"/>
-                                        </p:tgtEl>
-                                        <p:attrNameLst>
-                                          <p:attrName>ppt_y</p:attrName>
-                                        </p:attrNameLst>
-                                      </p:cBhvr>
-                                      <p:tavLst>
-                                        <p:tav tm="0" fmla="#ppt_y+(sin(-2*pi*(1-$))*-#ppt_x+cos(-2*pi*(1-$))*(1-#ppt_y))*(1-$)">
-                                          <p:val>
-                                            <p:fltVal val="0"/>
-                                          </p:val>
-                                        </p:tav>
-                                        <p:tav tm="100000">
-                                          <p:val>
-                                            <p:fltVal val="1"/>
-                                          </p:val>
-                                        </p:tav>
-                                      </p:tavLst>
-                                    </p:anim>
-                                  </p:childTnLst>
-                                </p:cTn>
-                              </p:par>
-                            </p:childTnLst>
-                          </p:cTn>
-                        </p:par>
-                        <p:par>
-                          <p:cTn id="36" fill="hold">
-                            <p:stCondLst>
-                              <p:cond delay="2000"/>
-                            </p:stCondLst>
-                            <p:childTnLst>
-                              <p:par>
-                                <p:cTn id="37" presetID="47" presetClass="entr" presetSubtype="0" fill="hold" grpId="0" nodeType="afterEffect">
-                                  <p:stCondLst>
-                                    <p:cond delay="0"/>
-                                  </p:stCondLst>
-                                  <p:childTnLst>
-                                    <p:set>
-                                      <p:cBhvr>
-                                        <p:cTn id="38" dur="1" fill="hold">
-                                          <p:stCondLst>
-                                            <p:cond delay="0"/>
-                                          </p:stCondLst>
-                                        </p:cTn>
-                                        <p:tgtEl>
-                                          <p:spTgt spid="13"/>
-                                        </p:tgtEl>
-                                        <p:attrNameLst>
-                                          <p:attrName>style.visibility</p:attrName>
-                                        </p:attrNameLst>
-                                      </p:cBhvr>
-                                      <p:to>
-                                        <p:strVal val="visible"/>
-                                      </p:to>
-                                    </p:set>
-                                    <p:animEffect transition="in" filter="fade">
-                                      <p:cBhvr>
-                                        <p:cTn id="39" dur="1000"/>
-                                        <p:tgtEl>
-                                          <p:spTgt spid="13"/>
-                                        </p:tgtEl>
-                                      </p:cBhvr>
-                                    </p:animEffect>
-                                    <p:anim calcmode="lin" valueType="num">
-                                      <p:cBhvr>
-                                        <p:cTn id="40" dur="1000" fill="hold"/>
-                                        <p:tgtEl>
-                                          <p:spTgt spid="13"/>
-                                        </p:tgtEl>
-                                        <p:attrNameLst>
-                                          <p:attrName>ppt_x</p:attrName>
-                                        </p:attrNameLst>
-                                      </p:cBhvr>
-                                      <p:tavLst>
-                                        <p:tav tm="0">
-                                          <p:val>
-                                            <p:strVal val="#ppt_x"/>
-                                          </p:val>
-                                        </p:tav>
-                                        <p:tav tm="100000">
-                                          <p:val>
-                                            <p:strVal val="#ppt_x"/>
-                                          </p:val>
-                                        </p:tav>
-                                      </p:tavLst>
-                                    </p:anim>
-                                    <p:anim calcmode="lin" valueType="num">
-                                      <p:cBhvr>
-                                        <p:cTn id="41" dur="1000" fill="hold"/>
-                                        <p:tgtEl>
-                                          <p:spTgt spid="13"/>
-                                        </p:tgtEl>
-                                        <p:attrNameLst>
-                                          <p:attrName>ppt_y</p:attrName>
-                                        </p:attrNameLst>
-                                      </p:cBhvr>
-                                      <p:tavLst>
-                                        <p:tav tm="0">
-                                          <p:val>
-                                            <p:strVal val="#ppt_y-.1"/>
-                                          </p:val>
-                                        </p:tav>
-                                        <p:tav tm="100000">
-                                          <p:val>
-                                            <p:strVal val="#ppt_y"/>
-                                          </p:val>
-                                        </p:tav>
-                                      </p:tavLst>
-                                    </p:anim>
-                                  </p:childTnLst>
-                                </p:cTn>
-                              </p:par>
-                            </p:childTnLst>
-                          </p:cTn>
-                        </p:par>
-                        <p:par>
-                          <p:cTn id="42" fill="hold">
-                            <p:stCondLst>
-                              <p:cond delay="3000"/>
-                            </p:stCondLst>
-                            <p:childTnLst>
-                              <p:par>
-                                <p:cTn id="43" presetID="42" presetClass="exit" presetSubtype="0" fill="hold" grpId="1" nodeType="afterEffect">
-                                  <p:stCondLst>
-                                    <p:cond delay="15000"/>
-                                  </p:stCondLst>
-                                  <p:childTnLst>
-                                    <p:animEffect transition="out" filter="fade">
-                                      <p:cBhvr>
-                                        <p:cTn id="44" dur="1000"/>
-                                        <p:tgtEl>
-                                          <p:spTgt spid="13"/>
-                                        </p:tgtEl>
-                                      </p:cBhvr>
-                                    </p:animEffect>
-                                    <p:anim calcmode="lin" valueType="num">
-                                      <p:cBhvr>
-                                        <p:cTn id="45" dur="1000"/>
-                                        <p:tgtEl>
-                                          <p:spTgt spid="13"/>
-                                        </p:tgtEl>
-                                        <p:attrNameLst>
-                                          <p:attrName>ppt_x</p:attrName>
-                                        </p:attrNameLst>
-                                      </p:cBhvr>
-                                      <p:tavLst>
-                                        <p:tav tm="0">
-                                          <p:val>
-                                            <p:strVal val="ppt_x"/>
-                                          </p:val>
-                                        </p:tav>
-                                        <p:tav tm="100000">
-                                          <p:val>
-                                            <p:strVal val="ppt_x"/>
-                                          </p:val>
-                                        </p:tav>
-                                      </p:tavLst>
-                                    </p:anim>
-                                    <p:anim calcmode="lin" valueType="num">
-                                      <p:cBhvr>
-                                        <p:cTn id="46" dur="1000"/>
-                                        <p:tgtEl>
-                                          <p:spTgt spid="13"/>
-                                        </p:tgtEl>
-                                        <p:attrNameLst>
-                                          <p:attrName>ppt_y</p:attrName>
-                                        </p:attrNameLst>
-                                      </p:cBhvr>
-                                      <p:tavLst>
-                                        <p:tav tm="0">
-                                          <p:val>
-                                            <p:strVal val="ppt_y"/>
-                                          </p:val>
-                                        </p:tav>
-                                        <p:tav tm="100000">
-                                          <p:val>
-                                            <p:strVal val="ppt_y+.1"/>
-                                          </p:val>
-                                        </p:tav>
-                                      </p:tavLst>
-                                    </p:anim>
-                                    <p:set>
-                                      <p:cBhvr>
-                                        <p:cTn id="47" dur="1" fill="hold">
-                                          <p:stCondLst>
-                                            <p:cond delay="999"/>
-                                          </p:stCondLst>
-                                        </p:cTn>
-                                        <p:tgtEl>
-                                          <p:spTgt spid="13"/>
-                                        </p:tgtEl>
-                                        <p:attrNameLst>
-                                          <p:attrName>style.visibility</p:attrName>
-                                        </p:attrNameLst>
-                                      </p:cBhvr>
-                                      <p:to>
-                                        <p:strVal val="hidden"/>
-                                      </p:to>
-                                    </p:set>
-                                  </p:childTnLst>
-                                </p:cTn>
-                              </p:par>
-                              <p:par>
-                                <p:cTn id="48" presetID="15" presetClass="exit" presetSubtype="0" fill="hold" grpId="1" nodeType="withEffect">
-                                  <p:stCondLst>
-                                    <p:cond delay="15000"/>
-                                  </p:stCondLst>
-                                  <p:childTnLst>
-                                    <p:anim calcmode="lin" valueType="num">
-                                      <p:cBhvr>
-                                        <p:cTn id="49" dur="1000"/>
-                                        <p:tgtEl>
-                                          <p:spTgt spid="9"/>
-                                        </p:tgtEl>
-                                        <p:attrNameLst>
-                                          <p:attrName>ppt_w</p:attrName>
-                                        </p:attrNameLst>
-                                      </p:cBhvr>
-                                      <p:tavLst>
-                                        <p:tav tm="0">
-                                          <p:val>
-                                            <p:strVal val="ppt_w"/>
-                                          </p:val>
-                                        </p:tav>
-                                        <p:tav tm="100000">
-                                          <p:val>
-                                            <p:fltVal val="0"/>
-                                          </p:val>
-                                        </p:tav>
-                                      </p:tavLst>
-                                    </p:anim>
-                                    <p:anim calcmode="lin" valueType="num">
-                                      <p:cBhvr>
-                                        <p:cTn id="50" dur="1000"/>
-                                        <p:tgtEl>
-                                          <p:spTgt spid="9"/>
-                                        </p:tgtEl>
-                                        <p:attrNameLst>
-                                          <p:attrName>ppt_h</p:attrName>
-                                        </p:attrNameLst>
-                                      </p:cBhvr>
-                                      <p:tavLst>
-                                        <p:tav tm="0">
-                                          <p:val>
-                                            <p:strVal val="ppt_h"/>
-                                          </p:val>
-                                        </p:tav>
-                                        <p:tav tm="100000">
-                                          <p:val>
-                                            <p:fltVal val="0"/>
-                                          </p:val>
-                                        </p:tav>
-                                      </p:tavLst>
-                                    </p:anim>
-                                    <p:anim calcmode="lin" valueType="num">
-                                      <p:cBhvr>
-                                        <p:cTn id="51" dur="1000"/>
-                                        <p:tgtEl>
-                                          <p:spTgt spid="9"/>
-                                        </p:tgtEl>
-                                        <p:attrNameLst>
-                                          <p:attrName>ppt_x</p:attrName>
-                                        </p:attrNameLst>
-                                      </p:cBhvr>
-                                      <p:tavLst>
-                                        <p:tav tm="0">
-                                          <p:val>
-                                            <p:strVal val="ppt_x"/>
-                                          </p:val>
-                                        </p:tav>
-                                        <p:tav tm="5000">
-                                          <p:val>
-                                            <p:strVal val="ppt_x+-0.0500*(ppt_x*0.9511+(1-ppt_y)*0.3090)"/>
-                                          </p:val>
-                                        </p:tav>
-                                        <p:tav tm="10000">
-                                          <p:val>
-                                            <p:strVal val="ppt_x+-0.1000*(ppt_x*0.8090+(1-ppt_y)*0.5878)"/>
-                                          </p:val>
-                                        </p:tav>
-                                        <p:tav tm="15000">
-                                          <p:val>
-                                            <p:strVal val="ppt_x+-0.1500*(ppt_x*0.5878+(1-ppt_y)*0.8090)"/>
-                                          </p:val>
-                                        </p:tav>
-                                        <p:tav tm="20000">
-                                          <p:val>
-                                            <p:strVal val="ppt_x+-0.2000*(ppt_x*0.3090+(1-ppt_y)*0.9511)"/>
-                                          </p:val>
-                                        </p:tav>
-                                        <p:tav tm="25000">
-                                          <p:val>
-                                            <p:strVal val="ppt_x+-0.2500*(ppt_x*-0.0000+(1-ppt_y)*1.0000)"/>
-                                          </p:val>
-                                        </p:tav>
-                                        <p:tav tm="30000">
-                                          <p:val>
-                                            <p:strVal val="ppt_x+-0.3000*(ppt_x*-0.3090+(1-ppt_y)*0.9511)"/>
-                                          </p:val>
-                                        </p:tav>
-                                        <p:tav tm="35000">
-                                          <p:val>
-                                            <p:strVal val="ppt_x+-0.3500*(ppt_x*-0.5878+(1-ppt_y)*0.8090)"/>
-                                          </p:val>
-                                        </p:tav>
-                                        <p:tav tm="40000">
-                                          <p:val>
-                                            <p:strVal val="ppt_x+-0.4000*(ppt_x*-0.8090+(1-ppt_y)*0.5878)"/>
-                                          </p:val>
-                                        </p:tav>
-                                        <p:tav tm="45000">
-                                          <p:val>
-                                            <p:strVal val="ppt_x+-0.4500*(ppt_x*-0.9511+(1-ppt_y)*0.3090)"/>
-                                          </p:val>
-                                        </p:tav>
-                                        <p:tav tm="50000">
-                                          <p:val>
-                                            <p:strVal val="ppt_x+-0.5000*(ppt_x*-1.0000+(1-ppt_y)*-0.0000)"/>
-                                          </p:val>
-                                        </p:tav>
-                                        <p:tav tm="55000">
-                                          <p:val>
-                                            <p:strVal val="ppt_x+-0.5500*(ppt_x*-0.9511+(1-ppt_y)*-0.3090)"/>
-                                          </p:val>
-                                        </p:tav>
-                                        <p:tav tm="60000">
-                                          <p:val>
-                                            <p:strVal val="ppt_x+-0.6000*(ppt_x*-0.8090+(1-ppt_y)*-0.5878)"/>
-                                          </p:val>
-                                        </p:tav>
-                                        <p:tav tm="65000">
-                                          <p:val>
-                                            <p:strVal val="ppt_x+-0.6500*(ppt_x*-0.5878+(1-ppt_y)*-0.8090)"/>
-                                          </p:val>
-                                        </p:tav>
-                                        <p:tav tm="70000">
-                                          <p:val>
-                                            <p:strVal val="ppt_x+-0.7000*(ppt_x*-0.3090+(1-ppt_y)*-0.9511)"/>
-                                          </p:val>
-                                        </p:tav>
-                                        <p:tav tm="75000">
-                                          <p:val>
-                                            <p:strVal val="ppt_x+-0.7500*(ppt_x*0.0000+(1-ppt_y)*-1.0000)"/>
-                                          </p:val>
-                                        </p:tav>
-                                        <p:tav tm="80000">
-                                          <p:val>
-                                            <p:strVal val="ppt_x+-0.8000*(ppt_x*0.3090+(1-ppt_y)*-0.9511)"/>
-                                          </p:val>
-                                        </p:tav>
-                                        <p:tav tm="85000">
-                                          <p:val>
-                                            <p:strVal val="ppt_x+-0.8500*(ppt_x*0.5878+(1-ppt_y)*-0.8090)"/>
-                                          </p:val>
-                                        </p:tav>
-                                        <p:tav tm="90000">
-                                          <p:val>
-                                            <p:strVal val="ppt_x+-0.9000*(ppt_x*0.8090+(1-ppt_y)*-0.5878)"/>
-                                          </p:val>
-                                        </p:tav>
-                                        <p:tav tm="95000">
-                                          <p:val>
-                                            <p:strVal val="ppt_x+-0.9500*(ppt_x*0.9511+(1-ppt_y)*-0.3090)"/>
-                                          </p:val>
-                                        </p:tav>
-                                        <p:tav tm="100000">
-                                          <p:val>
-                                            <p:strVal val="ppt_x+-1.0000*(ppt_x*1.0000+(1-ppt_y)*0.0000)"/>
-                                          </p:val>
-                                        </p:tav>
-                                      </p:tavLst>
-                                    </p:anim>
-                                    <p:anim calcmode="lin" valueType="num">
-                                      <p:cBhvr>
-                                        <p:cTn id="52" dur="1000"/>
-                                        <p:tgtEl>
-                                          <p:spTgt spid="9"/>
-                                        </p:tgtEl>
-                                        <p:attrNameLst>
-                                          <p:attrName>ppt_y</p:attrName>
-                                        </p:attrNameLst>
-                                      </p:cBhvr>
-                                      <p:tavLst>
-                                        <p:tav tm="0">
-                                          <p:val>
-                                            <p:strVal val="ppt_y"/>
-                                          </p:val>
-                                        </p:tav>
-                                        <p:tav tm="5000">
-                                          <p:val>
-                                            <p:strVal val="ppt_y+-0.0500*(ppt_x*0.3090-(1-ppt_y)*0.9511)"/>
-                                          </p:val>
-                                        </p:tav>
-                                        <p:tav tm="10000">
-                                          <p:val>
-                                            <p:strVal val="ppt_y+-0.1000*(ppt_x*0.5878-(1-ppt_y)*0.8090)"/>
-                                          </p:val>
-                                        </p:tav>
-                                        <p:tav tm="15000">
-                                          <p:val>
-                                            <p:strVal val="ppt_y+-0.1500*(ppt_x*0.8090-(1-ppt_y)*0.5878)"/>
-                                          </p:val>
-                                        </p:tav>
-                                        <p:tav tm="20000">
-                                          <p:val>
-                                            <p:strVal val="ppt_y+-0.2000*(ppt_x*0.9511-(1-ppt_y)*0.3090)"/>
-                                          </p:val>
-                                        </p:tav>
-                                        <p:tav tm="25000">
-                                          <p:val>
-                                            <p:strVal val="ppt_y+-0.2500*(ppt_x*1.0000-(1-ppt_y)*-0.0000)"/>
-                                          </p:val>
-                                        </p:tav>
-                                        <p:tav tm="30000">
-                                          <p:val>
-                                            <p:strVal val="ppt_y+-0.3000*(ppt_x*0.9511-(1-ppt_y)*-0.3090)"/>
-                                          </p:val>
-                                        </p:tav>
-                                        <p:tav tm="35000">
-                                          <p:val>
-                                            <p:strVal val="ppt_y+-0.3500*(ppt_x*0.8090-(1-ppt_y)*-0.5878)"/>
-                                          </p:val>
-                                        </p:tav>
-                                        <p:tav tm="40000">
-                                          <p:val>
-                                            <p:strVal val="ppt_y+-0.4000*(ppt_x*0.5878-(1-ppt_y)*-0.8090)"/>
-                                          </p:val>
-                                        </p:tav>
-                                        <p:tav tm="45000">
-                                          <p:val>
-                                            <p:strVal val="ppt_y+-0.4500*(ppt_x*0.3090-(1-ppt_y)*-0.9511)"/>
-                                          </p:val>
-                                        </p:tav>
-                                        <p:tav tm="50000">
-                                          <p:val>
-                                            <p:strVal val="ppt_y+-0.5000*(ppt_x*-0.0000-(1-ppt_y)*-1.0000)"/>
-                                          </p:val>
-                                        </p:tav>
-                                        <p:tav tm="55000">
-                                          <p:val>
-                                            <p:strVal val="ppt_y+-0.5500*(ppt_x*-0.3090-(1-ppt_y)*-0.9511)"/>
-                                          </p:val>
-                                        </p:tav>
-                                        <p:tav tm="60000">
-                                          <p:val>
-                                            <p:strVal val="ppt_y+-0.6000*(ppt_x*-0.5878-(1-ppt_y)*-0.8090)"/>
-                                          </p:val>
-                                        </p:tav>
-                                        <p:tav tm="65000">
-                                          <p:val>
-                                            <p:strVal val="ppt_y+-0.6500*(ppt_x*-0.8090-(1-ppt_y)*-0.5878)"/>
-                                          </p:val>
-                                        </p:tav>
-                                        <p:tav tm="70000">
-                                          <p:val>
-                                            <p:strVal val="ppt_y+-0.7000*(ppt_x*-0.9511-(1-ppt_y)*-0.3090)"/>
-                                          </p:val>
-                                        </p:tav>
-                                        <p:tav tm="75000">
-                                          <p:val>
-                                            <p:strVal val="ppt_y+-0.7500*(ppt_x*-1.0000-(1-ppt_y)*0.0000)"/>
-                                          </p:val>
-                                        </p:tav>
-                                        <p:tav tm="80000">
-                                          <p:val>
-                                            <p:strVal val="ppt_y+-0.8000*(ppt_x*-0.9511-(1-ppt_y)*0.3090)"/>
-                                          </p:val>
-                                        </p:tav>
-                                        <p:tav tm="85000">
-                                          <p:val>
-                                            <p:strVal val="ppt_y+-0.8500*(ppt_x*-0.8090-(1-ppt_y)*0.5878)"/>
-                                          </p:val>
-                                        </p:tav>
-                                        <p:tav tm="90000">
-                                          <p:val>
-                                            <p:strVal val="ppt_y+-0.9000*(ppt_x*-0.5878-(1-ppt_y)*0.8090)"/>
-                                          </p:val>
-                                        </p:tav>
-                                        <p:tav tm="95000">
-                                          <p:val>
-                                            <p:strVal val="ppt_y+-0.9500*(ppt_x*-0.3090-(1-ppt_y)*0.9511)"/>
-                                          </p:val>
-                                        </p:tav>
-                                        <p:tav tm="100000">
-                                          <p:val>
-                                            <p:strVal val="ppt_y+-1.0000*(ppt_x*0.0000-(1-ppt_y)*1.0000)"/>
-                                          </p:val>
-                                        </p:tav>
-                                      </p:tavLst>
-                                    </p:anim>
-                                    <p:set>
-                                      <p:cBhvr>
-                                        <p:cTn id="53" dur="1" fill="hold">
-                                          <p:stCondLst>
-                                            <p:cond delay="999"/>
-                                          </p:stCondLst>
-                                        </p:cTn>
-                                        <p:tgtEl>
-                                          <p:spTgt spid="9"/>
-                                        </p:tgtEl>
-                                        <p:attrNameLst>
-                                          <p:attrName>style.visibility</p:attrName>
-                                        </p:attrNameLst>
-                                      </p:cBhvr>
-                                      <p:to>
-                                        <p:strVal val="hidden"/>
-                                      </p:to>
-                                    </p:set>
-                                  </p:childTnLst>
-                                </p:cTn>
-                              </p:par>
-                              <p:par>
-                                <p:cTn id="54" presetID="42" presetClass="exit" presetSubtype="0" fill="hold" grpId="1" nodeType="withEffect">
-                                  <p:stCondLst>
-                                    <p:cond delay="15000"/>
-                                  </p:stCondLst>
-                                  <p:childTnLst>
-                                    <p:animEffect transition="out" filter="fade">
-                                      <p:cBhvr>
-                                        <p:cTn id="55" dur="1000"/>
-                                        <p:tgtEl>
-                                          <p:spTgt spid="7"/>
-                                        </p:tgtEl>
-                                      </p:cBhvr>
-                                    </p:animEffect>
-                                    <p:anim calcmode="lin" valueType="num">
-                                      <p:cBhvr>
-                                        <p:cTn id="56" dur="1000"/>
-                                        <p:tgtEl>
-                                          <p:spTgt spid="7"/>
-                                        </p:tgtEl>
-                                        <p:attrNameLst>
-                                          <p:attrName>ppt_x</p:attrName>
-                                        </p:attrNameLst>
-                                      </p:cBhvr>
-                                      <p:tavLst>
-                                        <p:tav tm="0">
-                                          <p:val>
-                                            <p:strVal val="ppt_x"/>
-                                          </p:val>
-                                        </p:tav>
-                                        <p:tav tm="100000">
-                                          <p:val>
-                                            <p:strVal val="ppt_x"/>
-                                          </p:val>
-                                        </p:tav>
-                                      </p:tavLst>
-                                    </p:anim>
-                                    <p:anim calcmode="lin" valueType="num">
-                                      <p:cBhvr>
-                                        <p:cTn id="57" dur="1000"/>
-                                        <p:tgtEl>
-                                          <p:spTgt spid="7"/>
-                                        </p:tgtEl>
-                                        <p:attrNameLst>
-                                          <p:attrName>ppt_y</p:attrName>
-                                        </p:attrNameLst>
-                                      </p:cBhvr>
-                                      <p:tavLst>
-                                        <p:tav tm="0">
-                                          <p:val>
-                                            <p:strVal val="ppt_y"/>
-                                          </p:val>
-                                        </p:tav>
-                                        <p:tav tm="100000">
-                                          <p:val>
-                                            <p:strVal val="ppt_y+.1"/>
-                                          </p:val>
-                                        </p:tav>
-                                      </p:tavLst>
-                                    </p:anim>
-                                    <p:set>
-                                      <p:cBhvr>
-                                        <p:cTn id="58" dur="1" fill="hold">
-                                          <p:stCondLst>
-                                            <p:cond delay="999"/>
-                                          </p:stCondLst>
-                                        </p:cTn>
-                                        <p:tgtEl>
-                                          <p:spTgt spid="7"/>
-                                        </p:tgtEl>
-                                        <p:attrNameLst>
-                                          <p:attrName>style.visibility</p:attrName>
-                                        </p:attrNameLst>
-                                      </p:cBhvr>
-                                      <p:to>
-                                        <p:strVal val="hidden"/>
-                                      </p:to>
-                                    </p:set>
-                                  </p:childTnLst>
-                                </p:cTn>
-                              </p:par>
-                              <p:par>
-                                <p:cTn id="59" presetID="12" presetClass="exit" presetSubtype="4" fill="hold" nodeType="withEffect">
-                                  <p:stCondLst>
-                                    <p:cond delay="15100"/>
-                                  </p:stCondLst>
-                                  <p:childTnLst>
-                                    <p:anim calcmode="lin" valueType="num">
-                                      <p:cBhvr additive="base">
-                                        <p:cTn id="60" dur="100"/>
-                                        <p:tgtEl>
-                                          <p:spTgt spid="11"/>
-                                        </p:tgtEl>
-                                        <p:attrNameLst>
-                                          <p:attrName>ppt_y</p:attrName>
-                                        </p:attrNameLst>
-                                      </p:cBhvr>
-                                      <p:tavLst>
-                                        <p:tav tm="0">
-                                          <p:val>
-                                            <p:strVal val="#ppt_y"/>
-                                          </p:val>
-                                        </p:tav>
-                                        <p:tav tm="100000">
-                                          <p:val>
-                                            <p:strVal val="#ppt_y+#ppt_h*1.125000"/>
-                                          </p:val>
-                                        </p:tav>
-                                      </p:tavLst>
-                                    </p:anim>
-                                    <p:animEffect transition="out" filter="wipe(down)">
-                                      <p:cBhvr>
-                                        <p:cTn id="61" dur="100"/>
-                                        <p:tgtEl>
-                                          <p:spTgt spid="11"/>
-                                        </p:tgtEl>
-                                      </p:cBhvr>
-                                    </p:animEffect>
-                                    <p:set>
-                                      <p:cBhvr>
-                                        <p:cTn id="62" dur="1" fill="hold">
-                                          <p:stCondLst>
-                                            <p:cond delay="99"/>
-                                          </p:stCondLst>
-                                        </p:cTn>
-                                        <p:tgtEl>
-                                          <p:spTgt spid="11"/>
-                                        </p:tgtEl>
-                                        <p:attrNameLst>
-                                          <p:attrName>style.visibility</p:attrName>
-                                        </p:attrNameLst>
-                                      </p:cBhvr>
-                                      <p:to>
-                                        <p:strVal val="hidden"/>
-                                      </p:to>
-                                    </p:set>
-                                  </p:childTnLst>
-                                </p:cTn>
-                              </p:par>
-                              <p:par>
-                                <p:cTn id="63" presetID="42" presetClass="exit" presetSubtype="0" fill="hold" grpId="1" nodeType="withEffect">
-                                  <p:stCondLst>
-                                    <p:cond delay="15000"/>
-                                  </p:stCondLst>
-                                  <p:childTnLst>
-                                    <p:animEffect transition="out" filter="fade">
-                                      <p:cBhvr>
-                                        <p:cTn id="64" dur="1000"/>
-                                        <p:tgtEl>
-                                          <p:spTgt spid="2"/>
-                                        </p:tgtEl>
-                                      </p:cBhvr>
-                                    </p:animEffect>
-                                    <p:anim calcmode="lin" valueType="num">
-                                      <p:cBhvr>
-                                        <p:cTn id="65" dur="1000"/>
-                                        <p:tgtEl>
-                                          <p:spTgt spid="2"/>
-                                        </p:tgtEl>
-                                        <p:attrNameLst>
-                                          <p:attrName>ppt_x</p:attrName>
-                                        </p:attrNameLst>
-                                      </p:cBhvr>
-                                      <p:tavLst>
-                                        <p:tav tm="0">
-                                          <p:val>
-                                            <p:strVal val="ppt_x"/>
-                                          </p:val>
-                                        </p:tav>
-                                        <p:tav tm="100000">
-                                          <p:val>
-                                            <p:strVal val="ppt_x"/>
-                                          </p:val>
-                                        </p:tav>
-                                      </p:tavLst>
-                                    </p:anim>
-                                    <p:anim calcmode="lin" valueType="num">
-                                      <p:cBhvr>
-                                        <p:cTn id="66" dur="1000"/>
-                                        <p:tgtEl>
-                                          <p:spTgt spid="2"/>
-                                        </p:tgtEl>
-                                        <p:attrNameLst>
-                                          <p:attrName>ppt_y</p:attrName>
-                                        </p:attrNameLst>
-                                      </p:cBhvr>
-                                      <p:tavLst>
-                                        <p:tav tm="0">
-                                          <p:val>
-                                            <p:strVal val="ppt_y"/>
-                                          </p:val>
-                                        </p:tav>
-                                        <p:tav tm="100000">
-                                          <p:val>
-                                            <p:strVal val="ppt_y+.1"/>
-                                          </p:val>
-                                        </p:tav>
-                                      </p:tavLst>
-                                    </p:anim>
-                                    <p:set>
-                                      <p:cBhvr>
-                                        <p:cTn id="67" dur="1" fill="hold">
-                                          <p:stCondLst>
-                                            <p:cond delay="999"/>
-                                          </p:stCondLst>
-                                        </p:cTn>
-                                        <p:tgtEl>
-                                          <p:spTgt spid="2"/>
-                                        </p:tgtEl>
-                                        <p:attrNameLst>
-                                          <p:attrName>style.visibility</p:attrName>
-                                        </p:attrNameLst>
-                                      </p:cBhvr>
-                                      <p:to>
-                                        <p:strVal val="hidden"/>
-                                      </p:to>
-                                    </p:set>
-                                  </p:childTnLst>
-                                </p:cTn>
-                              </p:par>
-                              <p:par>
-                                <p:cTn id="68" presetID="12" presetClass="exit" presetSubtype="4" fill="hold" nodeType="withEffect">
-                                  <p:stCondLst>
-                                    <p:cond delay="15000"/>
-                                  </p:stCondLst>
-                                  <p:childTnLst>
-                                    <p:anim calcmode="lin" valueType="num">
-                                      <p:cBhvr additive="base">
-                                        <p:cTn id="69" dur="500"/>
-                                        <p:tgtEl>
-                                          <p:spTgt spid="4"/>
-                                        </p:tgtEl>
-                                        <p:attrNameLst>
-                                          <p:attrName>ppt_y</p:attrName>
-                                        </p:attrNameLst>
-                                      </p:cBhvr>
-                                      <p:tavLst>
-                                        <p:tav tm="0">
-                                          <p:val>
-                                            <p:strVal val="#ppt_y"/>
-                                          </p:val>
-                                        </p:tav>
-                                        <p:tav tm="100000">
-                                          <p:val>
-                                            <p:strVal val="#ppt_y+#ppt_h*1.125000"/>
-                                          </p:val>
-                                        </p:tav>
-                                      </p:tavLst>
-                                    </p:anim>
-                                    <p:animEffect transition="out" filter="wipe(down)">
-                                      <p:cBhvr>
-                                        <p:cTn id="70" dur="500"/>
-                                        <p:tgtEl>
-                                          <p:spTgt spid="4"/>
-                                        </p:tgtEl>
-                                      </p:cBhvr>
-                                    </p:animEffect>
-                                    <p:set>
-                                      <p:cBhvr>
-                                        <p:cTn id="71" dur="1" fill="hold">
-                                          <p:stCondLst>
-                                            <p:cond delay="499"/>
-                                          </p:stCondLst>
-                                        </p:cTn>
-                                        <p:tgtEl>
-                                          <p:spTgt spid="4"/>
-                                        </p:tgtEl>
-                                        <p:attrNameLst>
-                                          <p:attrName>style.visibility</p:attrName>
-                                        </p:attrNameLst>
-                                      </p:cBhvr>
-                                      <p:to>
-                                        <p:strVal val="hidden"/>
-                                      </p:to>
-                                    </p:set>
-                                  </p:childTnLst>
-                                </p:cTn>
-                              </p:par>
-                              <p:par>
-                                <p:cTn id="72" presetID="15" presetClass="exit" presetSubtype="0" fill="hold" grpId="1" nodeType="withEffect">
-                                  <p:stCondLst>
-                                    <p:cond delay="15000"/>
-                                  </p:stCondLst>
-                                  <p:childTnLst>
-                                    <p:anim calcmode="lin" valueType="num">
-                                      <p:cBhvr>
-                                        <p:cTn id="73" dur="500"/>
-                                        <p:tgtEl>
-                                          <p:spTgt spid="326"/>
-                                        </p:tgtEl>
-                                        <p:attrNameLst>
-                                          <p:attrName>ppt_w</p:attrName>
-                                        </p:attrNameLst>
-                                      </p:cBhvr>
-                                      <p:tavLst>
-                                        <p:tav tm="0">
-                                          <p:val>
-                                            <p:strVal val="ppt_w"/>
-                                          </p:val>
-                                        </p:tav>
-                                        <p:tav tm="100000">
-                                          <p:val>
-                                            <p:fltVal val="0"/>
-                                          </p:val>
-                                        </p:tav>
-                                      </p:tavLst>
-                                    </p:anim>
-                                    <p:anim calcmode="lin" valueType="num">
-                                      <p:cBhvr>
-                                        <p:cTn id="74" dur="500"/>
-                                        <p:tgtEl>
-                                          <p:spTgt spid="326"/>
-                                        </p:tgtEl>
-                                        <p:attrNameLst>
-                                          <p:attrName>ppt_h</p:attrName>
-                                        </p:attrNameLst>
-                                      </p:cBhvr>
-                                      <p:tavLst>
-                                        <p:tav tm="0">
-                                          <p:val>
-                                            <p:strVal val="ppt_h"/>
-                                          </p:val>
-                                        </p:tav>
-                                        <p:tav tm="100000">
-                                          <p:val>
-                                            <p:fltVal val="0"/>
-                                          </p:val>
-                                        </p:tav>
-                                      </p:tavLst>
-                                    </p:anim>
-                                    <p:anim calcmode="lin" valueType="num">
-                                      <p:cBhvr>
-                                        <p:cTn id="75" dur="500"/>
-                                        <p:tgtEl>
-                                          <p:spTgt spid="326"/>
-                                        </p:tgtEl>
-                                        <p:attrNameLst>
-                                          <p:attrName>ppt_x</p:attrName>
-                                        </p:attrNameLst>
-                                      </p:cBhvr>
-                                      <p:tavLst>
-                                        <p:tav tm="0">
-                                          <p:val>
-                                            <p:strVal val="ppt_x"/>
-                                          </p:val>
-                                        </p:tav>
-                                        <p:tav tm="5000">
-                                          <p:val>
-                                            <p:strVal val="ppt_x+-0.0500*(ppt_x*0.9511+(1-ppt_y)*0.3090)"/>
-                                          </p:val>
-                                        </p:tav>
-                                        <p:tav tm="10000">
-                                          <p:val>
-                                            <p:strVal val="ppt_x+-0.1000*(ppt_x*0.8090+(1-ppt_y)*0.5878)"/>
-                                          </p:val>
-                                        </p:tav>
-                                        <p:tav tm="15000">
-                                          <p:val>
-                                            <p:strVal val="ppt_x+-0.1500*(ppt_x*0.5878+(1-ppt_y)*0.8090)"/>
-                                          </p:val>
-                                        </p:tav>
-                                        <p:tav tm="20000">
-                                          <p:val>
-                                            <p:strVal val="ppt_x+-0.2000*(ppt_x*0.3090+(1-ppt_y)*0.9511)"/>
-                                          </p:val>
-                                        </p:tav>
-                                        <p:tav tm="25000">
-                                          <p:val>
-                                            <p:strVal val="ppt_x+-0.2500*(ppt_x*-0.0000+(1-ppt_y)*1.0000)"/>
-                                          </p:val>
-                                        </p:tav>
-                                        <p:tav tm="30000">
-                                          <p:val>
-                                            <p:strVal val="ppt_x+-0.3000*(ppt_x*-0.3090+(1-ppt_y)*0.9511)"/>
-                                          </p:val>
-                                        </p:tav>
-                                        <p:tav tm="35000">
-                                          <p:val>
-                                            <p:strVal val="ppt_x+-0.3500*(ppt_x*-0.5878+(1-ppt_y)*0.8090)"/>
-                                          </p:val>
-                                        </p:tav>
-                                        <p:tav tm="40000">
-                                          <p:val>
-                                            <p:strVal val="ppt_x+-0.4000*(ppt_x*-0.8090+(1-ppt_y)*0.5878)"/>
-                                          </p:val>
-                                        </p:tav>
-                                        <p:tav tm="45000">
-                                          <p:val>
-                                            <p:strVal val="ppt_x+-0.4500*(ppt_x*-0.9511+(1-ppt_y)*0.3090)"/>
-                                          </p:val>
-                                        </p:tav>
-                                        <p:tav tm="50000">
-                                          <p:val>
-                                            <p:strVal val="ppt_x+-0.5000*(ppt_x*-1.0000+(1-ppt_y)*-0.0000)"/>
-                                          </p:val>
-                                        </p:tav>
-                                        <p:tav tm="55000">
-                                          <p:val>
-                                            <p:strVal val="ppt_x+-0.5500*(ppt_x*-0.9511+(1-ppt_y)*-0.3090)"/>
-                                          </p:val>
-                                        </p:tav>
-                                        <p:tav tm="60000">
-                                          <p:val>
-                                            <p:strVal val="ppt_x+-0.6000*(ppt_x*-0.8090+(1-ppt_y)*-0.5878)"/>
-                                          </p:val>
-                                        </p:tav>
-                                        <p:tav tm="65000">
-                                          <p:val>
-                                            <p:strVal val="ppt_x+-0.6500*(ppt_x*-0.5878+(1-ppt_y)*-0.8090)"/>
-                                          </p:val>
-                                        </p:tav>
-                                        <p:tav tm="70000">
-                                          <p:val>
-                                            <p:strVal val="ppt_x+-0.7000*(ppt_x*-0.3090+(1-ppt_y)*-0.9511)"/>
-                                          </p:val>
-                                        </p:tav>
-                                        <p:tav tm="75000">
-                                          <p:val>
-                                            <p:strVal val="ppt_x+-0.7500*(ppt_x*0.0000+(1-ppt_y)*-1.0000)"/>
-                                          </p:val>
-                                        </p:tav>
-                                        <p:tav tm="80000">
-                                          <p:val>
-                                            <p:strVal val="ppt_x+-0.8000*(ppt_x*0.3090+(1-ppt_y)*-0.9511)"/>
-                                          </p:val>
-                                        </p:tav>
-                                        <p:tav tm="85000">
-                                          <p:val>
-                                            <p:strVal val="ppt_x+-0.8500*(ppt_x*0.5878+(1-ppt_y)*-0.8090)"/>
-                                          </p:val>
-                                        </p:tav>
-                                        <p:tav tm="90000">
-                                          <p:val>
-                                            <p:strVal val="ppt_x+-0.9000*(ppt_x*0.8090+(1-ppt_y)*-0.5878)"/>
-                                          </p:val>
-                                        </p:tav>
-                                        <p:tav tm="95000">
-                                          <p:val>
-                                            <p:strVal val="ppt_x+-0.9500*(ppt_x*0.9511+(1-ppt_y)*-0.3090)"/>
-                                          </p:val>
-                                        </p:tav>
-                                        <p:tav tm="100000">
-                                          <p:val>
-                                            <p:strVal val="ppt_x+-1.0000*(ppt_x*1.0000+(1-ppt_y)*0.0000)"/>
-                                          </p:val>
-                                        </p:tav>
-                                      </p:tavLst>
-                                    </p:anim>
-                                    <p:anim calcmode="lin" valueType="num">
-                                      <p:cBhvr>
-                                        <p:cTn id="76" dur="500"/>
-                                        <p:tgtEl>
-                                          <p:spTgt spid="326"/>
-                                        </p:tgtEl>
-                                        <p:attrNameLst>
-                                          <p:attrName>ppt_y</p:attrName>
-                                        </p:attrNameLst>
-                                      </p:cBhvr>
-                                      <p:tavLst>
-                                        <p:tav tm="0">
-                                          <p:val>
-                                            <p:strVal val="ppt_y"/>
-                                          </p:val>
-                                        </p:tav>
-                                        <p:tav tm="5000">
-                                          <p:val>
-                                            <p:strVal val="ppt_y+-0.0500*(ppt_x*0.3090-(1-ppt_y)*0.9511)"/>
-                                          </p:val>
-                                        </p:tav>
-                                        <p:tav tm="10000">
-                                          <p:val>
-                                            <p:strVal val="ppt_y+-0.1000*(ppt_x*0.5878-(1-ppt_y)*0.8090)"/>
-                                          </p:val>
-                                        </p:tav>
-                                        <p:tav tm="15000">
-                                          <p:val>
-                                            <p:strVal val="ppt_y+-0.1500*(ppt_x*0.8090-(1-ppt_y)*0.5878)"/>
-                                          </p:val>
-                                        </p:tav>
-                                        <p:tav tm="20000">
-                                          <p:val>
-                                            <p:strVal val="ppt_y+-0.2000*(ppt_x*0.9511-(1-ppt_y)*0.3090)"/>
-                                          </p:val>
-                                        </p:tav>
-                                        <p:tav tm="25000">
-                                          <p:val>
-                                            <p:strVal val="ppt_y+-0.2500*(ppt_x*1.0000-(1-ppt_y)*-0.0000)"/>
-                                          </p:val>
-                                        </p:tav>
-                                        <p:tav tm="30000">
-                                          <p:val>
-                                            <p:strVal val="ppt_y+-0.3000*(ppt_x*0.9511-(1-ppt_y)*-0.3090)"/>
-                                          </p:val>
-                                        </p:tav>
-                                        <p:tav tm="35000">
-                                          <p:val>
-                                            <p:strVal val="ppt_y+-0.3500*(ppt_x*0.8090-(1-ppt_y)*-0.5878)"/>
-                                          </p:val>
-                                        </p:tav>
-                                        <p:tav tm="40000">
-                                          <p:val>
-                                            <p:strVal val="ppt_y+-0.4000*(ppt_x*0.5878-(1-ppt_y)*-0.8090)"/>
-                                          </p:val>
-                                        </p:tav>
-                                        <p:tav tm="45000">
-                                          <p:val>
-                                            <p:strVal val="ppt_y+-0.4500*(ppt_x*0.3090-(1-ppt_y)*-0.9511)"/>
-                                          </p:val>
-                                        </p:tav>
-                                        <p:tav tm="50000">
-                                          <p:val>
-                                            <p:strVal val="ppt_y+-0.5000*(ppt_x*-0.0000-(1-ppt_y)*-1.0000)"/>
-                                          </p:val>
-                                        </p:tav>
-                                        <p:tav tm="55000">
-                                          <p:val>
-                                            <p:strVal val="ppt_y+-0.5500*(ppt_x*-0.3090-(1-ppt_y)*-0.9511)"/>
-                                          </p:val>
-                                        </p:tav>
-                                        <p:tav tm="60000">
-                                          <p:val>
-                                            <p:strVal val="ppt_y+-0.6000*(ppt_x*-0.5878-(1-ppt_y)*-0.8090)"/>
-                                          </p:val>
-                                        </p:tav>
-                                        <p:tav tm="65000">
-                                          <p:val>
-                                            <p:strVal val="ppt_y+-0.6500*(ppt_x*-0.8090-(1-ppt_y)*-0.5878)"/>
-                                          </p:val>
-                                        </p:tav>
-                                        <p:tav tm="70000">
-                                          <p:val>
-                                            <p:strVal val="ppt_y+-0.7000*(ppt_x*-0.9511-(1-ppt_y)*-0.3090)"/>
-                                          </p:val>
-                                        </p:tav>
-                                        <p:tav tm="75000">
-                                          <p:val>
-                                            <p:strVal val="ppt_y+-0.7500*(ppt_x*-1.0000-(1-ppt_y)*0.0000)"/>
-                                          </p:val>
-                                        </p:tav>
-                                        <p:tav tm="80000">
-                                          <p:val>
-                                            <p:strVal val="ppt_y+-0.8000*(ppt_x*-0.9511-(1-ppt_y)*0.3090)"/>
-                                          </p:val>
-                                        </p:tav>
-                                        <p:tav tm="85000">
-                                          <p:val>
-                                            <p:strVal val="ppt_y+-0.8500*(ppt_x*-0.8090-(1-ppt_y)*0.5878)"/>
-                                          </p:val>
-                                        </p:tav>
-                                        <p:tav tm="90000">
-                                          <p:val>
-                                            <p:strVal val="ppt_y+-0.9000*(ppt_x*-0.5878-(1-ppt_y)*0.8090)"/>
-                                          </p:val>
-                                        </p:tav>
-                                        <p:tav tm="95000">
-                                          <p:val>
-                                            <p:strVal val="ppt_y+-0.9500*(ppt_x*-0.3090-(1-ppt_y)*0.9511)"/>
-                                          </p:val>
-                                        </p:tav>
-                                        <p:tav tm="100000">
-                                          <p:val>
-                                            <p:strVal val="ppt_y+-1.0000*(ppt_x*0.0000-(1-ppt_y)*1.0000)"/>
-                                          </p:val>
-                                        </p:tav>
-                                      </p:tavLst>
-                                    </p:anim>
-                                    <p:set>
-                                      <p:cBhvr>
-                                        <p:cTn id="77" dur="1" fill="hold">
-                                          <p:stCondLst>
-                                            <p:cond delay="499"/>
-                                          </p:stCondLst>
-                                        </p:cTn>
-                                        <p:tgtEl>
-                                          <p:spTgt spid="326"/>
-                                        </p:tgtEl>
-                                        <p:attrNameLst>
-                                          <p:attrName>style.visibility</p:attrName>
-                                        </p:attrNameLst>
-                                      </p:cBhvr>
-                                      <p:to>
-                                        <p:strVal val="hidden"/>
-                                      </p:to>
-                                    </p:set>
-                                  </p:childTnLst>
-                                </p:cTn>
-                              </p:par>
-                            </p:childTnLst>
-                          </p:cTn>
-                        </p:par>
-                      </p:childTnLst>
-                    </p:cTn>
-                  </p:par>
-                </p:childTnLst>
-              </p:cTn>
-              <p:prevCondLst>
-                <p:cond evt="onPrev" delay="0">
-                  <p:tgtEl>
-                    <p:sldTgt/>
-                  </p:tgtEl>
-                </p:cond>
-              </p:prevCondLst>
-              <p:nextCondLst>
-                <p:cond evt="onNext" delay="0">
-                  <p:tgtEl>
-                    <p:sldTgt/>
-                  </p:tgtEl>
-                </p:cond>
-              </p:nextCondLst>
-            </p:seq>
-          </p:childTnLst>
-        </p:cTn>
+        <p:cTn id="1" dur="indefinite" restart="never" nodeType="tmRoot"/>
       </p:par>
     </p:tnLst>
-    <p:bldLst>
-      <p:bldP spid="326" grpId="0"/>
-      <p:bldP spid="326" grpId="1"/>
-      <p:bldP spid="9" grpId="0"/>
-      <p:bldP spid="9" grpId="1"/>
-      <p:bldP spid="13" grpId="0"/>
-      <p:bldP spid="13" grpId="1"/>
-      <p:bldP spid="2" grpId="0"/>
-      <p:bldP spid="2" grpId="1"/>
-      <p:bldP spid="7" grpId="0"/>
-      <p:bldP spid="7" grpId="1"/>
-    </p:bldLst>
   </p:timing>
 </p:sld>
 </file>
@@ -34806,7 +33149,7 @@
           <p:cNvPr id="4" name="Google Shape;362;p18">
             <a:extLst>
               <a:ext uri="{FF2B5EF4-FFF2-40B4-BE49-F238E27FC236}">
-                <a16:creationId xmlns="" xmlns:a16="http://schemas.microsoft.com/office/drawing/2014/main" id="{E008C91D-1CFB-303A-C0DE-835200E128D7}"/>
+                <a16:creationId xmlns:a16="http://schemas.microsoft.com/office/drawing/2014/main" xmlns="" id="{E008C91D-1CFB-303A-C0DE-835200E128D7}"/>
               </a:ext>
             </a:extLst>
           </p:cNvPr>
@@ -35096,7 +33439,7 @@
           <p:cNvPr id="5" name="TextBox 4">
             <a:extLst>
               <a:ext uri="{FF2B5EF4-FFF2-40B4-BE49-F238E27FC236}">
-                <a16:creationId xmlns="" xmlns:a16="http://schemas.microsoft.com/office/drawing/2014/main" id="{DE08E598-D0CC-0978-73F6-EED7112F4763}"/>
+                <a16:creationId xmlns:a16="http://schemas.microsoft.com/office/drawing/2014/main" xmlns="" id="{DE08E598-D0CC-0978-73F6-EED7112F4763}"/>
               </a:ext>
             </a:extLst>
           </p:cNvPr>
@@ -35243,7 +33586,7 @@
           <p:cNvPr id="2" name="Subtitle 1">
             <a:extLst>
               <a:ext uri="{FF2B5EF4-FFF2-40B4-BE49-F238E27FC236}">
-                <a16:creationId xmlns="" xmlns:a16="http://schemas.microsoft.com/office/drawing/2014/main" id="{AAAD85B0-EB12-D4E2-757E-E09040F88E65}"/>
+                <a16:creationId xmlns:a16="http://schemas.microsoft.com/office/drawing/2014/main" xmlns="" id="{AAAD85B0-EB12-D4E2-757E-E09040F88E65}"/>
               </a:ext>
             </a:extLst>
           </p:cNvPr>
@@ -35315,7 +33658,7 @@
           <p:cNvPr id="4" name="Title 3">
             <a:extLst>
               <a:ext uri="{FF2B5EF4-FFF2-40B4-BE49-F238E27FC236}">
-                <a16:creationId xmlns="" xmlns:a16="http://schemas.microsoft.com/office/drawing/2014/main" id="{0A35A5A9-D9C8-D3BC-3D73-165A874938E2}"/>
+                <a16:creationId xmlns:a16="http://schemas.microsoft.com/office/drawing/2014/main" xmlns="" id="{0A35A5A9-D9C8-D3BC-3D73-165A874938E2}"/>
               </a:ext>
             </a:extLst>
           </p:cNvPr>
@@ -35352,7 +33695,7 @@
           <p:cNvPr id="6" name="Freeform 18">
             <a:extLst>
               <a:ext uri="{FF2B5EF4-FFF2-40B4-BE49-F238E27FC236}">
-                <a16:creationId xmlns="" xmlns:a16="http://schemas.microsoft.com/office/drawing/2014/main" id="{A82FFDF3-A4A0-7914-C056-C9052EC93A19}"/>
+                <a16:creationId xmlns:a16="http://schemas.microsoft.com/office/drawing/2014/main" xmlns="" id="{A82FFDF3-A4A0-7914-C056-C9052EC93A19}"/>
               </a:ext>
             </a:extLst>
           </p:cNvPr>
@@ -35404,7 +33747,7 @@
           <p:cNvPr id="7" name="Freeform 15">
             <a:extLst>
               <a:ext uri="{FF2B5EF4-FFF2-40B4-BE49-F238E27FC236}">
-                <a16:creationId xmlns="" xmlns:a16="http://schemas.microsoft.com/office/drawing/2014/main" id="{A5560F1F-036D-58E4-2A63-D4526FDF3E63}"/>
+                <a16:creationId xmlns:a16="http://schemas.microsoft.com/office/drawing/2014/main" xmlns="" id="{A5560F1F-036D-58E4-2A63-D4526FDF3E63}"/>
               </a:ext>
             </a:extLst>
           </p:cNvPr>
@@ -35456,7 +33799,7 @@
           <p:cNvPr id="8" name="Freeform 16">
             <a:extLst>
               <a:ext uri="{FF2B5EF4-FFF2-40B4-BE49-F238E27FC236}">
-                <a16:creationId xmlns="" xmlns:a16="http://schemas.microsoft.com/office/drawing/2014/main" id="{112A149F-CE13-952B-0E6E-8B301085DCEB}"/>
+                <a16:creationId xmlns:a16="http://schemas.microsoft.com/office/drawing/2014/main" xmlns="" id="{112A149F-CE13-952B-0E6E-8B301085DCEB}"/>
               </a:ext>
             </a:extLst>
           </p:cNvPr>
@@ -35508,7 +33851,7 @@
           <p:cNvPr id="9" name="Freeform 14">
             <a:extLst>
               <a:ext uri="{FF2B5EF4-FFF2-40B4-BE49-F238E27FC236}">
-                <a16:creationId xmlns="" xmlns:a16="http://schemas.microsoft.com/office/drawing/2014/main" id="{F458B11B-C648-C1BD-E14D-883ACDAE8CC6}"/>
+                <a16:creationId xmlns:a16="http://schemas.microsoft.com/office/drawing/2014/main" xmlns="" id="{F458B11B-C648-C1BD-E14D-883ACDAE8CC6}"/>
               </a:ext>
             </a:extLst>
           </p:cNvPr>
@@ -35560,7 +33903,7 @@
           <p:cNvPr id="1034" name="Picture 10" descr="TryHackMe | Introduction to Django">
             <a:extLst>
               <a:ext uri="{FF2B5EF4-FFF2-40B4-BE49-F238E27FC236}">
-                <a16:creationId xmlns="" xmlns:a16="http://schemas.microsoft.com/office/drawing/2014/main" id="{6FF25AF1-852B-1B54-B674-AF59DA627210}"/>
+                <a16:creationId xmlns:a16="http://schemas.microsoft.com/office/drawing/2014/main" xmlns="" id="{6FF25AF1-852B-1B54-B674-AF59DA627210}"/>
               </a:ext>
             </a:extLst>
           </p:cNvPr>
@@ -35607,7 +33950,7 @@
           <p:cNvPr id="1038" name="Picture 14" descr="The Evolution of JavaScript: A Journey from ES1 to the Latest Version (Part  1)">
             <a:extLst>
               <a:ext uri="{FF2B5EF4-FFF2-40B4-BE49-F238E27FC236}">
-                <a16:creationId xmlns="" xmlns:a16="http://schemas.microsoft.com/office/drawing/2014/main" id="{05BEFBB3-A77E-AA1C-F05C-0D5191BA02BC}"/>
+                <a16:creationId xmlns:a16="http://schemas.microsoft.com/office/drawing/2014/main" xmlns="" id="{05BEFBB3-A77E-AA1C-F05C-0D5191BA02BC}"/>
               </a:ext>
             </a:extLst>
           </p:cNvPr>
@@ -35654,7 +33997,7 @@
           <p:cNvPr id="1040" name="Picture 16" descr="Learn Bootstrap Tutorial - JavaTpoint">
             <a:extLst>
               <a:ext uri="{FF2B5EF4-FFF2-40B4-BE49-F238E27FC236}">
-                <a16:creationId xmlns="" xmlns:a16="http://schemas.microsoft.com/office/drawing/2014/main" id="{FB27D97C-D45A-6CFD-24FC-A2A6A05DD494}"/>
+                <a16:creationId xmlns:a16="http://schemas.microsoft.com/office/drawing/2014/main" xmlns="" id="{FB27D97C-D45A-6CFD-24FC-A2A6A05DD494}"/>
               </a:ext>
             </a:extLst>
           </p:cNvPr>
@@ -35701,7 +34044,7 @@
           <p:cNvPr id="10" name="Freeform 17">
             <a:extLst>
               <a:ext uri="{FF2B5EF4-FFF2-40B4-BE49-F238E27FC236}">
-                <a16:creationId xmlns="" xmlns:a16="http://schemas.microsoft.com/office/drawing/2014/main" id="{519F5725-3FEF-E96A-7DA5-BC710681ADE3}"/>
+                <a16:creationId xmlns:a16="http://schemas.microsoft.com/office/drawing/2014/main" xmlns="" id="{519F5725-3FEF-E96A-7DA5-BC710681ADE3}"/>
               </a:ext>
             </a:extLst>
           </p:cNvPr>
@@ -35771,7 +34114,7 @@
         <p:cNvPr id="1" name="Shape 361">
           <a:extLst>
             <a:ext uri="{FF2B5EF4-FFF2-40B4-BE49-F238E27FC236}">
-              <a16:creationId xmlns="" xmlns:a16="http://schemas.microsoft.com/office/drawing/2014/main" id="{CC81035F-9EC3-26C4-F1C3-FF11F0F70261}"/>
+              <a16:creationId xmlns:a16="http://schemas.microsoft.com/office/drawing/2014/main" xmlns="" id="{CC81035F-9EC3-26C4-F1C3-FF11F0F70261}"/>
             </a:ext>
           </a:extLst>
         </p:cNvPr>
@@ -35791,7 +34134,7 @@
           <p:cNvPr id="362" name="Google Shape;362;p18">
             <a:extLst>
               <a:ext uri="{FF2B5EF4-FFF2-40B4-BE49-F238E27FC236}">
-                <a16:creationId xmlns="" xmlns:a16="http://schemas.microsoft.com/office/drawing/2014/main" id="{43538122-9198-E5FF-48D5-DF2B339E2FDB}"/>
+                <a16:creationId xmlns:a16="http://schemas.microsoft.com/office/drawing/2014/main" xmlns="" id="{43538122-9198-E5FF-48D5-DF2B339E2FDB}"/>
               </a:ext>
             </a:extLst>
           </p:cNvPr>
@@ -35843,7 +34186,7 @@
           <p:cNvPr id="7" name="TextBox 6">
             <a:extLst>
               <a:ext uri="{FF2B5EF4-FFF2-40B4-BE49-F238E27FC236}">
-                <a16:creationId xmlns="" xmlns:a16="http://schemas.microsoft.com/office/drawing/2014/main" id="{54A7C145-25F2-B92B-5A14-C71093E977EF}"/>
+                <a16:creationId xmlns:a16="http://schemas.microsoft.com/office/drawing/2014/main" xmlns="" id="{54A7C145-25F2-B92B-5A14-C71093E977EF}"/>
               </a:ext>
             </a:extLst>
           </p:cNvPr>
@@ -35887,7 +34230,7 @@
           <p:cNvPr id="8" name="TextBox 12">
             <a:extLst>
               <a:ext uri="{FF2B5EF4-FFF2-40B4-BE49-F238E27FC236}">
-                <a16:creationId xmlns="" xmlns:a16="http://schemas.microsoft.com/office/drawing/2014/main" id="{6663639C-8DB4-1567-4E69-272C7E687A3B}"/>
+                <a16:creationId xmlns:a16="http://schemas.microsoft.com/office/drawing/2014/main" xmlns="" id="{6663639C-8DB4-1567-4E69-272C7E687A3B}"/>
               </a:ext>
             </a:extLst>
           </p:cNvPr>
@@ -35931,7 +34274,7 @@
           <p:cNvPr id="9" name="TextBox 8">
             <a:extLst>
               <a:ext uri="{FF2B5EF4-FFF2-40B4-BE49-F238E27FC236}">
-                <a16:creationId xmlns="" xmlns:a16="http://schemas.microsoft.com/office/drawing/2014/main" id="{124EC2C8-ECDE-5D68-0A3C-1DAFFE87CA99}"/>
+                <a16:creationId xmlns:a16="http://schemas.microsoft.com/office/drawing/2014/main" xmlns="" id="{124EC2C8-ECDE-5D68-0A3C-1DAFFE87CA99}"/>
               </a:ext>
             </a:extLst>
           </p:cNvPr>
@@ -36055,7 +34398,7 @@
           <p:cNvPr id="12" name="TextBox 11">
             <a:extLst>
               <a:ext uri="{FF2B5EF4-FFF2-40B4-BE49-F238E27FC236}">
-                <a16:creationId xmlns="" xmlns:a16="http://schemas.microsoft.com/office/drawing/2014/main" id="{827F7F9B-D4CC-F465-DE49-E17D4BA2E790}"/>
+                <a16:creationId xmlns:a16="http://schemas.microsoft.com/office/drawing/2014/main" xmlns="" id="{827F7F9B-D4CC-F465-DE49-E17D4BA2E790}"/>
               </a:ext>
             </a:extLst>
           </p:cNvPr>
@@ -36180,7 +34523,7 @@
         <p:cNvPr id="1" name="Shape 361">
           <a:extLst>
             <a:ext uri="{FF2B5EF4-FFF2-40B4-BE49-F238E27FC236}">
-              <a16:creationId xmlns="" xmlns:a16="http://schemas.microsoft.com/office/drawing/2014/main" id="{1985729C-274E-9DBE-2340-6200D5F655D1}"/>
+              <a16:creationId xmlns:a16="http://schemas.microsoft.com/office/drawing/2014/main" xmlns="" id="{1985729C-274E-9DBE-2340-6200D5F655D1}"/>
             </a:ext>
           </a:extLst>
         </p:cNvPr>
@@ -36200,7 +34543,7 @@
           <p:cNvPr id="362" name="Google Shape;362;p18">
             <a:extLst>
               <a:ext uri="{FF2B5EF4-FFF2-40B4-BE49-F238E27FC236}">
-                <a16:creationId xmlns="" xmlns:a16="http://schemas.microsoft.com/office/drawing/2014/main" id="{8CCF9F4E-A80B-3278-BD92-F2B037EC49EC}"/>
+                <a16:creationId xmlns:a16="http://schemas.microsoft.com/office/drawing/2014/main" xmlns="" id="{8CCF9F4E-A80B-3278-BD92-F2B037EC49EC}"/>
               </a:ext>
             </a:extLst>
           </p:cNvPr>
@@ -36252,7 +34595,7 @@
           <p:cNvPr id="7" name="TextBox 6">
             <a:extLst>
               <a:ext uri="{FF2B5EF4-FFF2-40B4-BE49-F238E27FC236}">
-                <a16:creationId xmlns="" xmlns:a16="http://schemas.microsoft.com/office/drawing/2014/main" id="{98095C09-FADC-F0FE-F920-931C40C02D62}"/>
+                <a16:creationId xmlns:a16="http://schemas.microsoft.com/office/drawing/2014/main" xmlns="" id="{98095C09-FADC-F0FE-F920-931C40C02D62}"/>
               </a:ext>
             </a:extLst>
           </p:cNvPr>
@@ -36296,7 +34639,7 @@
           <p:cNvPr id="8" name="TextBox 12">
             <a:extLst>
               <a:ext uri="{FF2B5EF4-FFF2-40B4-BE49-F238E27FC236}">
-                <a16:creationId xmlns="" xmlns:a16="http://schemas.microsoft.com/office/drawing/2014/main" id="{4A88F907-417C-7ADA-C66B-E247E4C6C25A}"/>
+                <a16:creationId xmlns:a16="http://schemas.microsoft.com/office/drawing/2014/main" xmlns="" id="{4A88F907-417C-7ADA-C66B-E247E4C6C25A}"/>
               </a:ext>
             </a:extLst>
           </p:cNvPr>
@@ -36349,7 +34692,7 @@
           <p:cNvPr id="9" name="TextBox 8">
             <a:extLst>
               <a:ext uri="{FF2B5EF4-FFF2-40B4-BE49-F238E27FC236}">
-                <a16:creationId xmlns="" xmlns:a16="http://schemas.microsoft.com/office/drawing/2014/main" id="{C43AC956-B06B-4A40-4999-603A9F23CE5D}"/>
+                <a16:creationId xmlns:a16="http://schemas.microsoft.com/office/drawing/2014/main" xmlns="" id="{C43AC956-B06B-4A40-4999-603A9F23CE5D}"/>
               </a:ext>
             </a:extLst>
           </p:cNvPr>
@@ -36419,7 +34762,7 @@
           <p:cNvPr id="3" name="TextBox 2">
             <a:extLst>
               <a:ext uri="{FF2B5EF4-FFF2-40B4-BE49-F238E27FC236}">
-                <a16:creationId xmlns="" xmlns:a16="http://schemas.microsoft.com/office/drawing/2014/main" id="{424D9D5C-72B4-D978-967A-58AA3235FA26}"/>
+                <a16:creationId xmlns:a16="http://schemas.microsoft.com/office/drawing/2014/main" xmlns="" id="{424D9D5C-72B4-D978-967A-58AA3235FA26}"/>
               </a:ext>
             </a:extLst>
           </p:cNvPr>
@@ -36517,7 +34860,7 @@
           <p:cNvPr id="4" name="TextBox 3">
             <a:extLst>
               <a:ext uri="{FF2B5EF4-FFF2-40B4-BE49-F238E27FC236}">
-                <a16:creationId xmlns="" xmlns:a16="http://schemas.microsoft.com/office/drawing/2014/main" id="{8228F74D-D056-F016-A74C-C3326CEBD0A3}"/>
+                <a16:creationId xmlns:a16="http://schemas.microsoft.com/office/drawing/2014/main" xmlns="" id="{8228F74D-D056-F016-A74C-C3326CEBD0A3}"/>
               </a:ext>
             </a:extLst>
           </p:cNvPr>
@@ -36607,7 +34950,7 @@
           <p:cNvPr id="5" name="TextBox 4">
             <a:extLst>
               <a:ext uri="{FF2B5EF4-FFF2-40B4-BE49-F238E27FC236}">
-                <a16:creationId xmlns="" xmlns:a16="http://schemas.microsoft.com/office/drawing/2014/main" id="{F8F04638-0486-EFBD-039B-62910B7D0812}"/>
+                <a16:creationId xmlns:a16="http://schemas.microsoft.com/office/drawing/2014/main" xmlns="" id="{F8F04638-0486-EFBD-039B-62910B7D0812}"/>
               </a:ext>
             </a:extLst>
           </p:cNvPr>
@@ -36689,7 +35032,7 @@
           <p:cNvPr id="6" name="TextBox 5">
             <a:extLst>
               <a:ext uri="{FF2B5EF4-FFF2-40B4-BE49-F238E27FC236}">
-                <a16:creationId xmlns="" xmlns:a16="http://schemas.microsoft.com/office/drawing/2014/main" id="{0CC07CE4-643F-DCB6-D692-91F956A509DB}"/>
+                <a16:creationId xmlns:a16="http://schemas.microsoft.com/office/drawing/2014/main" xmlns="" id="{0CC07CE4-643F-DCB6-D692-91F956A509DB}"/>
               </a:ext>
             </a:extLst>
           </p:cNvPr>
@@ -36777,7 +35120,7 @@
           <p:cNvPr id="10" name="TextBox 9">
             <a:extLst>
               <a:ext uri="{FF2B5EF4-FFF2-40B4-BE49-F238E27FC236}">
-                <a16:creationId xmlns="" xmlns:a16="http://schemas.microsoft.com/office/drawing/2014/main" id="{A5B83374-3F0C-9859-223B-09CDEEB1E59A}"/>
+                <a16:creationId xmlns:a16="http://schemas.microsoft.com/office/drawing/2014/main" xmlns="" id="{A5B83374-3F0C-9859-223B-09CDEEB1E59A}"/>
               </a:ext>
             </a:extLst>
           </p:cNvPr>
@@ -36943,7 +35286,7 @@
           <p:cNvPr id="2" name="Title 1">
             <a:extLst>
               <a:ext uri="{FF2B5EF4-FFF2-40B4-BE49-F238E27FC236}">
-                <a16:creationId xmlns="" xmlns:a16="http://schemas.microsoft.com/office/drawing/2014/main" id="{395B182F-4935-C758-5763-307EB347C2FF}"/>
+                <a16:creationId xmlns:a16="http://schemas.microsoft.com/office/drawing/2014/main" xmlns="" id="{395B182F-4935-C758-5763-307EB347C2FF}"/>
               </a:ext>
             </a:extLst>
           </p:cNvPr>
@@ -36971,7 +35314,7 @@
           <p:cNvPr id="4" name="Picture 3">
             <a:extLst>
               <a:ext uri="{FF2B5EF4-FFF2-40B4-BE49-F238E27FC236}">
-                <a16:creationId xmlns="" xmlns:a16="http://schemas.microsoft.com/office/drawing/2014/main" id="{0FE01548-2643-F86C-A75C-79879B1ADB85}"/>
+                <a16:creationId xmlns:a16="http://schemas.microsoft.com/office/drawing/2014/main" xmlns="" id="{0FE01548-2643-F86C-A75C-79879B1ADB85}"/>
               </a:ext>
             </a:extLst>
           </p:cNvPr>
@@ -37038,7 +35381,7 @@
           <p:cNvPr id="2" name="Title 1">
             <a:extLst>
               <a:ext uri="{FF2B5EF4-FFF2-40B4-BE49-F238E27FC236}">
-                <a16:creationId xmlns="" xmlns:a16="http://schemas.microsoft.com/office/drawing/2014/main" id="{958EB231-1600-8900-1E67-F62418675137}"/>
+                <a16:creationId xmlns:a16="http://schemas.microsoft.com/office/drawing/2014/main" xmlns="" id="{958EB231-1600-8900-1E67-F62418675137}"/>
               </a:ext>
             </a:extLst>
           </p:cNvPr>
@@ -37070,7 +35413,7 @@
           <p:cNvPr id="5" name="Picture 4">
             <a:extLst>
               <a:ext uri="{FF2B5EF4-FFF2-40B4-BE49-F238E27FC236}">
-                <a16:creationId xmlns="" xmlns:a16="http://schemas.microsoft.com/office/drawing/2014/main" id="{4DA104C9-23AF-18BA-7281-210FE7143E81}"/>
+                <a16:creationId xmlns:a16="http://schemas.microsoft.com/office/drawing/2014/main" xmlns="" id="{4DA104C9-23AF-18BA-7281-210FE7143E81}"/>
               </a:ext>
             </a:extLst>
           </p:cNvPr>
